--- a/Coursera Capstone Project Presentation Toannx.pptx
+++ b/Coursera Capstone Project Presentation Toannx.pptx
@@ -10,8 +10,12 @@
     <p:sldId id="258" r:id="rId4"/>
     <p:sldId id="259" r:id="rId5"/>
     <p:sldId id="266" r:id="rId6"/>
-    <p:sldId id="268" r:id="rId7"/>
-    <p:sldId id="267" r:id="rId8"/>
+    <p:sldId id="269" r:id="rId7"/>
+    <p:sldId id="270" r:id="rId8"/>
+    <p:sldId id="271" r:id="rId9"/>
+    <p:sldId id="268" r:id="rId10"/>
+    <p:sldId id="267" r:id="rId11"/>
+    <p:sldId id="272" r:id="rId12"/>
   </p:sldIdLst>
   <p:sldSz cx="12192000" cy="6858000"/>
   <p:notesSz cx="6858000" cy="9144000"/>
@@ -112,7 +116,7 @@
   </p:defaultTextStyle>
   <p:extLst>
     <p:ext uri="{EFAFB233-063F-42B5-8137-9DF3F51BA10A}">
-      <p15:sldGuideLst xmlns:p15="http://schemas.microsoft.com/office/powerpoint/2012/main"/>
+      <p15:sldGuideLst xmlns:p15="http://schemas.microsoft.com/office/powerpoint/2012/main" xmlns=""/>
     </p:ext>
   </p:extLst>
 </p:presentation>
@@ -140,7 +144,7 @@
           <p:cNvPr id="2" name="Title 1">
             <a:extLst>
               <a:ext uri="{FF2B5EF4-FFF2-40B4-BE49-F238E27FC236}">
-                <a16:creationId xmlns:a16="http://schemas.microsoft.com/office/drawing/2014/main" id="{B5D16D49-CB03-794E-99FF-1CED62CEA0C3}"/>
+                <a16:creationId xmlns:a16="http://schemas.microsoft.com/office/drawing/2014/main" xmlns="" id="{B5D16D49-CB03-794E-99FF-1CED62CEA0C3}"/>
               </a:ext>
             </a:extLst>
           </p:cNvPr>
@@ -177,7 +181,7 @@
           <p:cNvPr id="3" name="Subtitle 2">
             <a:extLst>
               <a:ext uri="{FF2B5EF4-FFF2-40B4-BE49-F238E27FC236}">
-                <a16:creationId xmlns:a16="http://schemas.microsoft.com/office/drawing/2014/main" id="{0BDAED42-3535-4D4F-A4E3-A3C56323C18E}"/>
+                <a16:creationId xmlns:a16="http://schemas.microsoft.com/office/drawing/2014/main" xmlns="" id="{0BDAED42-3535-4D4F-A4E3-A3C56323C18E}"/>
               </a:ext>
             </a:extLst>
           </p:cNvPr>
@@ -247,7 +251,7 @@
           <p:cNvPr id="4" name="Date Placeholder 3">
             <a:extLst>
               <a:ext uri="{FF2B5EF4-FFF2-40B4-BE49-F238E27FC236}">
-                <a16:creationId xmlns:a16="http://schemas.microsoft.com/office/drawing/2014/main" id="{96B9CF91-3C2A-B246-8155-E28728E61C9F}"/>
+                <a16:creationId xmlns:a16="http://schemas.microsoft.com/office/drawing/2014/main" xmlns="" id="{96B9CF91-3C2A-B246-8155-E28728E61C9F}"/>
               </a:ext>
             </a:extLst>
           </p:cNvPr>
@@ -265,7 +269,7 @@
           <a:p>
             <a:fld id="{5C9B4C69-935F-8A44-9012-897D6BC5F5AC}" type="datetimeFigureOut">
               <a:rPr lang="en-US" smtClean="0"/>
-              <a:t>8/20/2019</a:t>
+              <a:t>8/22/2019</a:t>
             </a:fld>
             <a:endParaRPr lang="en-US" dirty="0"/>
           </a:p>
@@ -276,7 +280,7 @@
           <p:cNvPr id="5" name="Footer Placeholder 4">
             <a:extLst>
               <a:ext uri="{FF2B5EF4-FFF2-40B4-BE49-F238E27FC236}">
-                <a16:creationId xmlns:a16="http://schemas.microsoft.com/office/drawing/2014/main" id="{AC91AEBC-CCE0-3244-AB29-DE00F30378D5}"/>
+                <a16:creationId xmlns:a16="http://schemas.microsoft.com/office/drawing/2014/main" xmlns="" id="{AC91AEBC-CCE0-3244-AB29-DE00F30378D5}"/>
               </a:ext>
             </a:extLst>
           </p:cNvPr>
@@ -301,7 +305,7 @@
           <p:cNvPr id="6" name="Slide Number Placeholder 5">
             <a:extLst>
               <a:ext uri="{FF2B5EF4-FFF2-40B4-BE49-F238E27FC236}">
-                <a16:creationId xmlns:a16="http://schemas.microsoft.com/office/drawing/2014/main" id="{1CB5996C-72DC-BA4E-88A3-808D98BC6CF9}"/>
+                <a16:creationId xmlns:a16="http://schemas.microsoft.com/office/drawing/2014/main" xmlns="" id="{1CB5996C-72DC-BA4E-88A3-808D98BC6CF9}"/>
               </a:ext>
             </a:extLst>
           </p:cNvPr>
@@ -360,7 +364,7 @@
           <p:cNvPr id="2" name="Title 1">
             <a:extLst>
               <a:ext uri="{FF2B5EF4-FFF2-40B4-BE49-F238E27FC236}">
-                <a16:creationId xmlns:a16="http://schemas.microsoft.com/office/drawing/2014/main" id="{489753B7-FFA1-4B4D-AEFC-609E13D63451}"/>
+                <a16:creationId xmlns:a16="http://schemas.microsoft.com/office/drawing/2014/main" xmlns="" id="{489753B7-FFA1-4B4D-AEFC-609E13D63451}"/>
               </a:ext>
             </a:extLst>
           </p:cNvPr>
@@ -388,7 +392,7 @@
           <p:cNvPr id="3" name="Vertical Text Placeholder 2">
             <a:extLst>
               <a:ext uri="{FF2B5EF4-FFF2-40B4-BE49-F238E27FC236}">
-                <a16:creationId xmlns:a16="http://schemas.microsoft.com/office/drawing/2014/main" id="{A4D899A8-DF00-6D40-87E4-76D8E3878D7D}"/>
+                <a16:creationId xmlns:a16="http://schemas.microsoft.com/office/drawing/2014/main" xmlns="" id="{A4D899A8-DF00-6D40-87E4-76D8E3878D7D}"/>
               </a:ext>
             </a:extLst>
           </p:cNvPr>
@@ -445,7 +449,7 @@
           <p:cNvPr id="4" name="Date Placeholder 3">
             <a:extLst>
               <a:ext uri="{FF2B5EF4-FFF2-40B4-BE49-F238E27FC236}">
-                <a16:creationId xmlns:a16="http://schemas.microsoft.com/office/drawing/2014/main" id="{7DDE64A9-4CAE-DA4E-96D3-4688C5F9148E}"/>
+                <a16:creationId xmlns:a16="http://schemas.microsoft.com/office/drawing/2014/main" xmlns="" id="{7DDE64A9-4CAE-DA4E-96D3-4688C5F9148E}"/>
               </a:ext>
             </a:extLst>
           </p:cNvPr>
@@ -463,7 +467,7 @@
           <a:p>
             <a:fld id="{5C9B4C69-935F-8A44-9012-897D6BC5F5AC}" type="datetimeFigureOut">
               <a:rPr lang="en-US" smtClean="0"/>
-              <a:t>8/20/2019</a:t>
+              <a:t>8/22/2019</a:t>
             </a:fld>
             <a:endParaRPr lang="en-US" dirty="0"/>
           </a:p>
@@ -474,7 +478,7 @@
           <p:cNvPr id="5" name="Footer Placeholder 4">
             <a:extLst>
               <a:ext uri="{FF2B5EF4-FFF2-40B4-BE49-F238E27FC236}">
-                <a16:creationId xmlns:a16="http://schemas.microsoft.com/office/drawing/2014/main" id="{BA4AF57F-2510-E142-A8A9-B6449B9ECBEC}"/>
+                <a16:creationId xmlns:a16="http://schemas.microsoft.com/office/drawing/2014/main" xmlns="" id="{BA4AF57F-2510-E142-A8A9-B6449B9ECBEC}"/>
               </a:ext>
             </a:extLst>
           </p:cNvPr>
@@ -499,7 +503,7 @@
           <p:cNvPr id="6" name="Slide Number Placeholder 5">
             <a:extLst>
               <a:ext uri="{FF2B5EF4-FFF2-40B4-BE49-F238E27FC236}">
-                <a16:creationId xmlns:a16="http://schemas.microsoft.com/office/drawing/2014/main" id="{403D292F-6E7E-5143-9A52-5BAF11046BB6}"/>
+                <a16:creationId xmlns:a16="http://schemas.microsoft.com/office/drawing/2014/main" xmlns="" id="{403D292F-6E7E-5143-9A52-5BAF11046BB6}"/>
               </a:ext>
             </a:extLst>
           </p:cNvPr>
@@ -558,7 +562,7 @@
           <p:cNvPr id="2" name="Vertical Title 1">
             <a:extLst>
               <a:ext uri="{FF2B5EF4-FFF2-40B4-BE49-F238E27FC236}">
-                <a16:creationId xmlns:a16="http://schemas.microsoft.com/office/drawing/2014/main" id="{2C9BBF45-D558-F645-83CD-61504ADFC811}"/>
+                <a16:creationId xmlns:a16="http://schemas.microsoft.com/office/drawing/2014/main" xmlns="" id="{2C9BBF45-D558-F645-83CD-61504ADFC811}"/>
               </a:ext>
             </a:extLst>
           </p:cNvPr>
@@ -591,7 +595,7 @@
           <p:cNvPr id="3" name="Vertical Text Placeholder 2">
             <a:extLst>
               <a:ext uri="{FF2B5EF4-FFF2-40B4-BE49-F238E27FC236}">
-                <a16:creationId xmlns:a16="http://schemas.microsoft.com/office/drawing/2014/main" id="{7DF9510D-672F-CB41-A3BC-6A3D3032CAFB}"/>
+                <a16:creationId xmlns:a16="http://schemas.microsoft.com/office/drawing/2014/main" xmlns="" id="{7DF9510D-672F-CB41-A3BC-6A3D3032CAFB}"/>
               </a:ext>
             </a:extLst>
           </p:cNvPr>
@@ -653,7 +657,7 @@
           <p:cNvPr id="4" name="Date Placeholder 3">
             <a:extLst>
               <a:ext uri="{FF2B5EF4-FFF2-40B4-BE49-F238E27FC236}">
-                <a16:creationId xmlns:a16="http://schemas.microsoft.com/office/drawing/2014/main" id="{4DE4C8B8-0D04-C54B-840B-4BAF5F4379ED}"/>
+                <a16:creationId xmlns:a16="http://schemas.microsoft.com/office/drawing/2014/main" xmlns="" id="{4DE4C8B8-0D04-C54B-840B-4BAF5F4379ED}"/>
               </a:ext>
             </a:extLst>
           </p:cNvPr>
@@ -671,7 +675,7 @@
           <a:p>
             <a:fld id="{5C9B4C69-935F-8A44-9012-897D6BC5F5AC}" type="datetimeFigureOut">
               <a:rPr lang="en-US" smtClean="0"/>
-              <a:t>8/20/2019</a:t>
+              <a:t>8/22/2019</a:t>
             </a:fld>
             <a:endParaRPr lang="en-US" dirty="0"/>
           </a:p>
@@ -682,7 +686,7 @@
           <p:cNvPr id="5" name="Footer Placeholder 4">
             <a:extLst>
               <a:ext uri="{FF2B5EF4-FFF2-40B4-BE49-F238E27FC236}">
-                <a16:creationId xmlns:a16="http://schemas.microsoft.com/office/drawing/2014/main" id="{27825B95-81CE-4846-B52A-8BE92FB320AA}"/>
+                <a16:creationId xmlns:a16="http://schemas.microsoft.com/office/drawing/2014/main" xmlns="" id="{27825B95-81CE-4846-B52A-8BE92FB320AA}"/>
               </a:ext>
             </a:extLst>
           </p:cNvPr>
@@ -707,7 +711,7 @@
           <p:cNvPr id="6" name="Slide Number Placeholder 5">
             <a:extLst>
               <a:ext uri="{FF2B5EF4-FFF2-40B4-BE49-F238E27FC236}">
-                <a16:creationId xmlns:a16="http://schemas.microsoft.com/office/drawing/2014/main" id="{629AE32C-C260-7F4F-B51A-5307E78B003A}"/>
+                <a16:creationId xmlns:a16="http://schemas.microsoft.com/office/drawing/2014/main" xmlns="" id="{629AE32C-C260-7F4F-B51A-5307E78B003A}"/>
               </a:ext>
             </a:extLst>
           </p:cNvPr>
@@ -766,7 +770,7 @@
           <p:cNvPr id="2" name="Title 1">
             <a:extLst>
               <a:ext uri="{FF2B5EF4-FFF2-40B4-BE49-F238E27FC236}">
-                <a16:creationId xmlns:a16="http://schemas.microsoft.com/office/drawing/2014/main" id="{DBFAC4CA-5C90-1544-89F5-4FF27CF97280}"/>
+                <a16:creationId xmlns:a16="http://schemas.microsoft.com/office/drawing/2014/main" xmlns="" id="{DBFAC4CA-5C90-1544-89F5-4FF27CF97280}"/>
               </a:ext>
             </a:extLst>
           </p:cNvPr>
@@ -794,7 +798,7 @@
           <p:cNvPr id="3" name="Content Placeholder 2">
             <a:extLst>
               <a:ext uri="{FF2B5EF4-FFF2-40B4-BE49-F238E27FC236}">
-                <a16:creationId xmlns:a16="http://schemas.microsoft.com/office/drawing/2014/main" id="{E5586869-5E7C-C746-9CB6-7C50060293D6}"/>
+                <a16:creationId xmlns:a16="http://schemas.microsoft.com/office/drawing/2014/main" xmlns="" id="{E5586869-5E7C-C746-9CB6-7C50060293D6}"/>
               </a:ext>
             </a:extLst>
           </p:cNvPr>
@@ -851,7 +855,7 @@
           <p:cNvPr id="4" name="Date Placeholder 3">
             <a:extLst>
               <a:ext uri="{FF2B5EF4-FFF2-40B4-BE49-F238E27FC236}">
-                <a16:creationId xmlns:a16="http://schemas.microsoft.com/office/drawing/2014/main" id="{C20C3CB1-F0F1-D447-B451-F23D35363E37}"/>
+                <a16:creationId xmlns:a16="http://schemas.microsoft.com/office/drawing/2014/main" xmlns="" id="{C20C3CB1-F0F1-D447-B451-F23D35363E37}"/>
               </a:ext>
             </a:extLst>
           </p:cNvPr>
@@ -869,7 +873,7 @@
           <a:p>
             <a:fld id="{5C9B4C69-935F-8A44-9012-897D6BC5F5AC}" type="datetimeFigureOut">
               <a:rPr lang="en-US" smtClean="0"/>
-              <a:t>8/20/2019</a:t>
+              <a:t>8/22/2019</a:t>
             </a:fld>
             <a:endParaRPr lang="en-US" dirty="0"/>
           </a:p>
@@ -880,7 +884,7 @@
           <p:cNvPr id="5" name="Footer Placeholder 4">
             <a:extLst>
               <a:ext uri="{FF2B5EF4-FFF2-40B4-BE49-F238E27FC236}">
-                <a16:creationId xmlns:a16="http://schemas.microsoft.com/office/drawing/2014/main" id="{5CF8496D-A33C-7B40-8C86-17C22EE2C904}"/>
+                <a16:creationId xmlns:a16="http://schemas.microsoft.com/office/drawing/2014/main" xmlns="" id="{5CF8496D-A33C-7B40-8C86-17C22EE2C904}"/>
               </a:ext>
             </a:extLst>
           </p:cNvPr>
@@ -905,7 +909,7 @@
           <p:cNvPr id="6" name="Slide Number Placeholder 5">
             <a:extLst>
               <a:ext uri="{FF2B5EF4-FFF2-40B4-BE49-F238E27FC236}">
-                <a16:creationId xmlns:a16="http://schemas.microsoft.com/office/drawing/2014/main" id="{803FD0AC-2343-0B44-8A82-5D0FB850C493}"/>
+                <a16:creationId xmlns:a16="http://schemas.microsoft.com/office/drawing/2014/main" xmlns="" id="{803FD0AC-2343-0B44-8A82-5D0FB850C493}"/>
               </a:ext>
             </a:extLst>
           </p:cNvPr>
@@ -964,7 +968,7 @@
           <p:cNvPr id="2" name="Title 1">
             <a:extLst>
               <a:ext uri="{FF2B5EF4-FFF2-40B4-BE49-F238E27FC236}">
-                <a16:creationId xmlns:a16="http://schemas.microsoft.com/office/drawing/2014/main" id="{10217F13-D760-1149-859A-1AFC5493710C}"/>
+                <a16:creationId xmlns:a16="http://schemas.microsoft.com/office/drawing/2014/main" xmlns="" id="{10217F13-D760-1149-859A-1AFC5493710C}"/>
               </a:ext>
             </a:extLst>
           </p:cNvPr>
@@ -1001,7 +1005,7 @@
           <p:cNvPr id="3" name="Text Placeholder 2">
             <a:extLst>
               <a:ext uri="{FF2B5EF4-FFF2-40B4-BE49-F238E27FC236}">
-                <a16:creationId xmlns:a16="http://schemas.microsoft.com/office/drawing/2014/main" id="{2BBD72B2-B40F-FC4E-8268-9709470E1D2A}"/>
+                <a16:creationId xmlns:a16="http://schemas.microsoft.com/office/drawing/2014/main" xmlns="" id="{2BBD72B2-B40F-FC4E-8268-9709470E1D2A}"/>
               </a:ext>
             </a:extLst>
           </p:cNvPr>
@@ -1126,7 +1130,7 @@
           <p:cNvPr id="4" name="Date Placeholder 3">
             <a:extLst>
               <a:ext uri="{FF2B5EF4-FFF2-40B4-BE49-F238E27FC236}">
-                <a16:creationId xmlns:a16="http://schemas.microsoft.com/office/drawing/2014/main" id="{39A2EF3D-F414-C245-8F59-7D2816979AD1}"/>
+                <a16:creationId xmlns:a16="http://schemas.microsoft.com/office/drawing/2014/main" xmlns="" id="{39A2EF3D-F414-C245-8F59-7D2816979AD1}"/>
               </a:ext>
             </a:extLst>
           </p:cNvPr>
@@ -1144,7 +1148,7 @@
           <a:p>
             <a:fld id="{5C9B4C69-935F-8A44-9012-897D6BC5F5AC}" type="datetimeFigureOut">
               <a:rPr lang="en-US" smtClean="0"/>
-              <a:t>8/20/2019</a:t>
+              <a:t>8/22/2019</a:t>
             </a:fld>
             <a:endParaRPr lang="en-US" dirty="0"/>
           </a:p>
@@ -1155,7 +1159,7 @@
           <p:cNvPr id="5" name="Footer Placeholder 4">
             <a:extLst>
               <a:ext uri="{FF2B5EF4-FFF2-40B4-BE49-F238E27FC236}">
-                <a16:creationId xmlns:a16="http://schemas.microsoft.com/office/drawing/2014/main" id="{A3EB8BAD-5338-2343-A99D-768DDE8CF5EB}"/>
+                <a16:creationId xmlns:a16="http://schemas.microsoft.com/office/drawing/2014/main" xmlns="" id="{A3EB8BAD-5338-2343-A99D-768DDE8CF5EB}"/>
               </a:ext>
             </a:extLst>
           </p:cNvPr>
@@ -1180,7 +1184,7 @@
           <p:cNvPr id="6" name="Slide Number Placeholder 5">
             <a:extLst>
               <a:ext uri="{FF2B5EF4-FFF2-40B4-BE49-F238E27FC236}">
-                <a16:creationId xmlns:a16="http://schemas.microsoft.com/office/drawing/2014/main" id="{F8E32032-E1A6-6442-8CAE-2AD654487D35}"/>
+                <a16:creationId xmlns:a16="http://schemas.microsoft.com/office/drawing/2014/main" xmlns="" id="{F8E32032-E1A6-6442-8CAE-2AD654487D35}"/>
               </a:ext>
             </a:extLst>
           </p:cNvPr>
@@ -1239,7 +1243,7 @@
           <p:cNvPr id="2" name="Title 1">
             <a:extLst>
               <a:ext uri="{FF2B5EF4-FFF2-40B4-BE49-F238E27FC236}">
-                <a16:creationId xmlns:a16="http://schemas.microsoft.com/office/drawing/2014/main" id="{4EDBB817-2EE2-6E4E-A157-39874DB62D7F}"/>
+                <a16:creationId xmlns:a16="http://schemas.microsoft.com/office/drawing/2014/main" xmlns="" id="{4EDBB817-2EE2-6E4E-A157-39874DB62D7F}"/>
               </a:ext>
             </a:extLst>
           </p:cNvPr>
@@ -1267,7 +1271,7 @@
           <p:cNvPr id="3" name="Content Placeholder 2">
             <a:extLst>
               <a:ext uri="{FF2B5EF4-FFF2-40B4-BE49-F238E27FC236}">
-                <a16:creationId xmlns:a16="http://schemas.microsoft.com/office/drawing/2014/main" id="{1FF8A8AD-28CC-7B46-89B4-0C73D4F7D785}"/>
+                <a16:creationId xmlns:a16="http://schemas.microsoft.com/office/drawing/2014/main" xmlns="" id="{1FF8A8AD-28CC-7B46-89B4-0C73D4F7D785}"/>
               </a:ext>
             </a:extLst>
           </p:cNvPr>
@@ -1329,7 +1333,7 @@
           <p:cNvPr id="4" name="Content Placeholder 3">
             <a:extLst>
               <a:ext uri="{FF2B5EF4-FFF2-40B4-BE49-F238E27FC236}">
-                <a16:creationId xmlns:a16="http://schemas.microsoft.com/office/drawing/2014/main" id="{272409D3-7FAC-ED4C-8DA1-C8EC12D1F14C}"/>
+                <a16:creationId xmlns:a16="http://schemas.microsoft.com/office/drawing/2014/main" xmlns="" id="{272409D3-7FAC-ED4C-8DA1-C8EC12D1F14C}"/>
               </a:ext>
             </a:extLst>
           </p:cNvPr>
@@ -1391,7 +1395,7 @@
           <p:cNvPr id="5" name="Date Placeholder 4">
             <a:extLst>
               <a:ext uri="{FF2B5EF4-FFF2-40B4-BE49-F238E27FC236}">
-                <a16:creationId xmlns:a16="http://schemas.microsoft.com/office/drawing/2014/main" id="{40D65233-D088-DB48-BEDA-E5EBD80C1FD3}"/>
+                <a16:creationId xmlns:a16="http://schemas.microsoft.com/office/drawing/2014/main" xmlns="" id="{40D65233-D088-DB48-BEDA-E5EBD80C1FD3}"/>
               </a:ext>
             </a:extLst>
           </p:cNvPr>
@@ -1409,7 +1413,7 @@
           <a:p>
             <a:fld id="{5C9B4C69-935F-8A44-9012-897D6BC5F5AC}" type="datetimeFigureOut">
               <a:rPr lang="en-US" smtClean="0"/>
-              <a:t>8/20/2019</a:t>
+              <a:t>8/22/2019</a:t>
             </a:fld>
             <a:endParaRPr lang="en-US" dirty="0"/>
           </a:p>
@@ -1420,7 +1424,7 @@
           <p:cNvPr id="6" name="Footer Placeholder 5">
             <a:extLst>
               <a:ext uri="{FF2B5EF4-FFF2-40B4-BE49-F238E27FC236}">
-                <a16:creationId xmlns:a16="http://schemas.microsoft.com/office/drawing/2014/main" id="{390E8E46-8645-C049-96D7-592222EF0458}"/>
+                <a16:creationId xmlns:a16="http://schemas.microsoft.com/office/drawing/2014/main" xmlns="" id="{390E8E46-8645-C049-96D7-592222EF0458}"/>
               </a:ext>
             </a:extLst>
           </p:cNvPr>
@@ -1445,7 +1449,7 @@
           <p:cNvPr id="7" name="Slide Number Placeholder 6">
             <a:extLst>
               <a:ext uri="{FF2B5EF4-FFF2-40B4-BE49-F238E27FC236}">
-                <a16:creationId xmlns:a16="http://schemas.microsoft.com/office/drawing/2014/main" id="{17AB1783-FBC8-264B-8D36-726499F1ABC1}"/>
+                <a16:creationId xmlns:a16="http://schemas.microsoft.com/office/drawing/2014/main" xmlns="" id="{17AB1783-FBC8-264B-8D36-726499F1ABC1}"/>
               </a:ext>
             </a:extLst>
           </p:cNvPr>
@@ -1504,7 +1508,7 @@
           <p:cNvPr id="2" name="Title 1">
             <a:extLst>
               <a:ext uri="{FF2B5EF4-FFF2-40B4-BE49-F238E27FC236}">
-                <a16:creationId xmlns:a16="http://schemas.microsoft.com/office/drawing/2014/main" id="{12FD307B-2130-9D41-91F2-99AC531B67A0}"/>
+                <a16:creationId xmlns:a16="http://schemas.microsoft.com/office/drawing/2014/main" xmlns="" id="{12FD307B-2130-9D41-91F2-99AC531B67A0}"/>
               </a:ext>
             </a:extLst>
           </p:cNvPr>
@@ -1537,7 +1541,7 @@
           <p:cNvPr id="3" name="Text Placeholder 2">
             <a:extLst>
               <a:ext uri="{FF2B5EF4-FFF2-40B4-BE49-F238E27FC236}">
-                <a16:creationId xmlns:a16="http://schemas.microsoft.com/office/drawing/2014/main" id="{09F1EF1B-2305-B54E-BB33-2C06D1874D2D}"/>
+                <a16:creationId xmlns:a16="http://schemas.microsoft.com/office/drawing/2014/main" xmlns="" id="{09F1EF1B-2305-B54E-BB33-2C06D1874D2D}"/>
               </a:ext>
             </a:extLst>
           </p:cNvPr>
@@ -1608,7 +1612,7 @@
           <p:cNvPr id="4" name="Content Placeholder 3">
             <a:extLst>
               <a:ext uri="{FF2B5EF4-FFF2-40B4-BE49-F238E27FC236}">
-                <a16:creationId xmlns:a16="http://schemas.microsoft.com/office/drawing/2014/main" id="{6B3B1E14-844D-EC41-A7B3-3E5CD371F7C8}"/>
+                <a16:creationId xmlns:a16="http://schemas.microsoft.com/office/drawing/2014/main" xmlns="" id="{6B3B1E14-844D-EC41-A7B3-3E5CD371F7C8}"/>
               </a:ext>
             </a:extLst>
           </p:cNvPr>
@@ -1670,7 +1674,7 @@
           <p:cNvPr id="5" name="Text Placeholder 4">
             <a:extLst>
               <a:ext uri="{FF2B5EF4-FFF2-40B4-BE49-F238E27FC236}">
-                <a16:creationId xmlns:a16="http://schemas.microsoft.com/office/drawing/2014/main" id="{15AC7A15-7C2E-4A4C-91B2-CDE5AA862996}"/>
+                <a16:creationId xmlns:a16="http://schemas.microsoft.com/office/drawing/2014/main" xmlns="" id="{15AC7A15-7C2E-4A4C-91B2-CDE5AA862996}"/>
               </a:ext>
             </a:extLst>
           </p:cNvPr>
@@ -1741,7 +1745,7 @@
           <p:cNvPr id="6" name="Content Placeholder 5">
             <a:extLst>
               <a:ext uri="{FF2B5EF4-FFF2-40B4-BE49-F238E27FC236}">
-                <a16:creationId xmlns:a16="http://schemas.microsoft.com/office/drawing/2014/main" id="{8E3C21A5-9C6B-2240-BCF0-6EE30BE81824}"/>
+                <a16:creationId xmlns:a16="http://schemas.microsoft.com/office/drawing/2014/main" xmlns="" id="{8E3C21A5-9C6B-2240-BCF0-6EE30BE81824}"/>
               </a:ext>
             </a:extLst>
           </p:cNvPr>
@@ -1803,7 +1807,7 @@
           <p:cNvPr id="7" name="Date Placeholder 6">
             <a:extLst>
               <a:ext uri="{FF2B5EF4-FFF2-40B4-BE49-F238E27FC236}">
-                <a16:creationId xmlns:a16="http://schemas.microsoft.com/office/drawing/2014/main" id="{C914EB57-0366-894C-A102-9F0101A4A859}"/>
+                <a16:creationId xmlns:a16="http://schemas.microsoft.com/office/drawing/2014/main" xmlns="" id="{C914EB57-0366-894C-A102-9F0101A4A859}"/>
               </a:ext>
             </a:extLst>
           </p:cNvPr>
@@ -1821,7 +1825,7 @@
           <a:p>
             <a:fld id="{5C9B4C69-935F-8A44-9012-897D6BC5F5AC}" type="datetimeFigureOut">
               <a:rPr lang="en-US" smtClean="0"/>
-              <a:t>8/20/2019</a:t>
+              <a:t>8/22/2019</a:t>
             </a:fld>
             <a:endParaRPr lang="en-US" dirty="0"/>
           </a:p>
@@ -1832,7 +1836,7 @@
           <p:cNvPr id="8" name="Footer Placeholder 7">
             <a:extLst>
               <a:ext uri="{FF2B5EF4-FFF2-40B4-BE49-F238E27FC236}">
-                <a16:creationId xmlns:a16="http://schemas.microsoft.com/office/drawing/2014/main" id="{40801935-FED7-D042-A556-FFE0CBAE6B1B}"/>
+                <a16:creationId xmlns:a16="http://schemas.microsoft.com/office/drawing/2014/main" xmlns="" id="{40801935-FED7-D042-A556-FFE0CBAE6B1B}"/>
               </a:ext>
             </a:extLst>
           </p:cNvPr>
@@ -1857,7 +1861,7 @@
           <p:cNvPr id="9" name="Slide Number Placeholder 8">
             <a:extLst>
               <a:ext uri="{FF2B5EF4-FFF2-40B4-BE49-F238E27FC236}">
-                <a16:creationId xmlns:a16="http://schemas.microsoft.com/office/drawing/2014/main" id="{B478D40B-B2FC-164F-84FC-27DC4AD04DFC}"/>
+                <a16:creationId xmlns:a16="http://schemas.microsoft.com/office/drawing/2014/main" xmlns="" id="{B478D40B-B2FC-164F-84FC-27DC4AD04DFC}"/>
               </a:ext>
             </a:extLst>
           </p:cNvPr>
@@ -1916,7 +1920,7 @@
           <p:cNvPr id="2" name="Title 1">
             <a:extLst>
               <a:ext uri="{FF2B5EF4-FFF2-40B4-BE49-F238E27FC236}">
-                <a16:creationId xmlns:a16="http://schemas.microsoft.com/office/drawing/2014/main" id="{36B35EBB-7877-704F-AFF4-B75D0E948875}"/>
+                <a16:creationId xmlns:a16="http://schemas.microsoft.com/office/drawing/2014/main" xmlns="" id="{36B35EBB-7877-704F-AFF4-B75D0E948875}"/>
               </a:ext>
             </a:extLst>
           </p:cNvPr>
@@ -1944,7 +1948,7 @@
           <p:cNvPr id="3" name="Date Placeholder 2">
             <a:extLst>
               <a:ext uri="{FF2B5EF4-FFF2-40B4-BE49-F238E27FC236}">
-                <a16:creationId xmlns:a16="http://schemas.microsoft.com/office/drawing/2014/main" id="{5E5E6D29-E4C0-A341-A1DB-EAE56E432FFC}"/>
+                <a16:creationId xmlns:a16="http://schemas.microsoft.com/office/drawing/2014/main" xmlns="" id="{5E5E6D29-E4C0-A341-A1DB-EAE56E432FFC}"/>
               </a:ext>
             </a:extLst>
           </p:cNvPr>
@@ -1962,7 +1966,7 @@
           <a:p>
             <a:fld id="{5C9B4C69-935F-8A44-9012-897D6BC5F5AC}" type="datetimeFigureOut">
               <a:rPr lang="en-US" smtClean="0"/>
-              <a:t>8/20/2019</a:t>
+              <a:t>8/22/2019</a:t>
             </a:fld>
             <a:endParaRPr lang="en-US" dirty="0"/>
           </a:p>
@@ -1973,7 +1977,7 @@
           <p:cNvPr id="4" name="Footer Placeholder 3">
             <a:extLst>
               <a:ext uri="{FF2B5EF4-FFF2-40B4-BE49-F238E27FC236}">
-                <a16:creationId xmlns:a16="http://schemas.microsoft.com/office/drawing/2014/main" id="{BDD348B5-5EEB-514F-AD0E-4B62DE223F0E}"/>
+                <a16:creationId xmlns:a16="http://schemas.microsoft.com/office/drawing/2014/main" xmlns="" id="{BDD348B5-5EEB-514F-AD0E-4B62DE223F0E}"/>
               </a:ext>
             </a:extLst>
           </p:cNvPr>
@@ -1998,7 +2002,7 @@
           <p:cNvPr id="5" name="Slide Number Placeholder 4">
             <a:extLst>
               <a:ext uri="{FF2B5EF4-FFF2-40B4-BE49-F238E27FC236}">
-                <a16:creationId xmlns:a16="http://schemas.microsoft.com/office/drawing/2014/main" id="{32F090D7-641D-8342-AC03-6C713BCCFE44}"/>
+                <a16:creationId xmlns:a16="http://schemas.microsoft.com/office/drawing/2014/main" xmlns="" id="{32F090D7-641D-8342-AC03-6C713BCCFE44}"/>
               </a:ext>
             </a:extLst>
           </p:cNvPr>
@@ -2057,7 +2061,7 @@
           <p:cNvPr id="2" name="Date Placeholder 1">
             <a:extLst>
               <a:ext uri="{FF2B5EF4-FFF2-40B4-BE49-F238E27FC236}">
-                <a16:creationId xmlns:a16="http://schemas.microsoft.com/office/drawing/2014/main" id="{022B7E74-99F4-3E47-89F2-9427193A287D}"/>
+                <a16:creationId xmlns:a16="http://schemas.microsoft.com/office/drawing/2014/main" xmlns="" id="{022B7E74-99F4-3E47-89F2-9427193A287D}"/>
               </a:ext>
             </a:extLst>
           </p:cNvPr>
@@ -2075,7 +2079,7 @@
           <a:p>
             <a:fld id="{5C9B4C69-935F-8A44-9012-897D6BC5F5AC}" type="datetimeFigureOut">
               <a:rPr lang="en-US" smtClean="0"/>
-              <a:t>8/20/2019</a:t>
+              <a:t>8/22/2019</a:t>
             </a:fld>
             <a:endParaRPr lang="en-US" dirty="0"/>
           </a:p>
@@ -2086,7 +2090,7 @@
           <p:cNvPr id="3" name="Footer Placeholder 2">
             <a:extLst>
               <a:ext uri="{FF2B5EF4-FFF2-40B4-BE49-F238E27FC236}">
-                <a16:creationId xmlns:a16="http://schemas.microsoft.com/office/drawing/2014/main" id="{7FCD8CD1-87B4-854B-8A59-1AE448176AB1}"/>
+                <a16:creationId xmlns:a16="http://schemas.microsoft.com/office/drawing/2014/main" xmlns="" id="{7FCD8CD1-87B4-854B-8A59-1AE448176AB1}"/>
               </a:ext>
             </a:extLst>
           </p:cNvPr>
@@ -2111,7 +2115,7 @@
           <p:cNvPr id="4" name="Slide Number Placeholder 3">
             <a:extLst>
               <a:ext uri="{FF2B5EF4-FFF2-40B4-BE49-F238E27FC236}">
-                <a16:creationId xmlns:a16="http://schemas.microsoft.com/office/drawing/2014/main" id="{80C4F0EA-E8DD-A64B-ADA2-AAF353835032}"/>
+                <a16:creationId xmlns:a16="http://schemas.microsoft.com/office/drawing/2014/main" xmlns="" id="{80C4F0EA-E8DD-A64B-ADA2-AAF353835032}"/>
               </a:ext>
             </a:extLst>
           </p:cNvPr>
@@ -2170,7 +2174,7 @@
           <p:cNvPr id="2" name="Title 1">
             <a:extLst>
               <a:ext uri="{FF2B5EF4-FFF2-40B4-BE49-F238E27FC236}">
-                <a16:creationId xmlns:a16="http://schemas.microsoft.com/office/drawing/2014/main" id="{EA32703D-5D63-3E42-9E2E-DA1326934C31}"/>
+                <a16:creationId xmlns:a16="http://schemas.microsoft.com/office/drawing/2014/main" xmlns="" id="{EA32703D-5D63-3E42-9E2E-DA1326934C31}"/>
               </a:ext>
             </a:extLst>
           </p:cNvPr>
@@ -2207,7 +2211,7 @@
           <p:cNvPr id="3" name="Content Placeholder 2">
             <a:extLst>
               <a:ext uri="{FF2B5EF4-FFF2-40B4-BE49-F238E27FC236}">
-                <a16:creationId xmlns:a16="http://schemas.microsoft.com/office/drawing/2014/main" id="{85FC674E-066A-2D4A-A5C0-643BDF6E227A}"/>
+                <a16:creationId xmlns:a16="http://schemas.microsoft.com/office/drawing/2014/main" xmlns="" id="{85FC674E-066A-2D4A-A5C0-643BDF6E227A}"/>
               </a:ext>
             </a:extLst>
           </p:cNvPr>
@@ -2297,7 +2301,7 @@
           <p:cNvPr id="4" name="Text Placeholder 3">
             <a:extLst>
               <a:ext uri="{FF2B5EF4-FFF2-40B4-BE49-F238E27FC236}">
-                <a16:creationId xmlns:a16="http://schemas.microsoft.com/office/drawing/2014/main" id="{15AD8052-E980-6543-99D2-7CA050AF1166}"/>
+                <a16:creationId xmlns:a16="http://schemas.microsoft.com/office/drawing/2014/main" xmlns="" id="{15AD8052-E980-6543-99D2-7CA050AF1166}"/>
               </a:ext>
             </a:extLst>
           </p:cNvPr>
@@ -2368,7 +2372,7 @@
           <p:cNvPr id="5" name="Date Placeholder 4">
             <a:extLst>
               <a:ext uri="{FF2B5EF4-FFF2-40B4-BE49-F238E27FC236}">
-                <a16:creationId xmlns:a16="http://schemas.microsoft.com/office/drawing/2014/main" id="{51E6B1C7-FBAB-954D-9AD8-83BD63DDD260}"/>
+                <a16:creationId xmlns:a16="http://schemas.microsoft.com/office/drawing/2014/main" xmlns="" id="{51E6B1C7-FBAB-954D-9AD8-83BD63DDD260}"/>
               </a:ext>
             </a:extLst>
           </p:cNvPr>
@@ -2386,7 +2390,7 @@
           <a:p>
             <a:fld id="{5C9B4C69-935F-8A44-9012-897D6BC5F5AC}" type="datetimeFigureOut">
               <a:rPr lang="en-US" smtClean="0"/>
-              <a:t>8/20/2019</a:t>
+              <a:t>8/22/2019</a:t>
             </a:fld>
             <a:endParaRPr lang="en-US" dirty="0"/>
           </a:p>
@@ -2397,7 +2401,7 @@
           <p:cNvPr id="6" name="Footer Placeholder 5">
             <a:extLst>
               <a:ext uri="{FF2B5EF4-FFF2-40B4-BE49-F238E27FC236}">
-                <a16:creationId xmlns:a16="http://schemas.microsoft.com/office/drawing/2014/main" id="{5E83CB30-E791-C740-B62C-37E6DE67A586}"/>
+                <a16:creationId xmlns:a16="http://schemas.microsoft.com/office/drawing/2014/main" xmlns="" id="{5E83CB30-E791-C740-B62C-37E6DE67A586}"/>
               </a:ext>
             </a:extLst>
           </p:cNvPr>
@@ -2422,7 +2426,7 @@
           <p:cNvPr id="7" name="Slide Number Placeholder 6">
             <a:extLst>
               <a:ext uri="{FF2B5EF4-FFF2-40B4-BE49-F238E27FC236}">
-                <a16:creationId xmlns:a16="http://schemas.microsoft.com/office/drawing/2014/main" id="{FFB86B95-9FD7-494A-9DD9-C633E6ECD8D7}"/>
+                <a16:creationId xmlns:a16="http://schemas.microsoft.com/office/drawing/2014/main" xmlns="" id="{FFB86B95-9FD7-494A-9DD9-C633E6ECD8D7}"/>
               </a:ext>
             </a:extLst>
           </p:cNvPr>
@@ -2481,7 +2485,7 @@
           <p:cNvPr id="2" name="Title 1">
             <a:extLst>
               <a:ext uri="{FF2B5EF4-FFF2-40B4-BE49-F238E27FC236}">
-                <a16:creationId xmlns:a16="http://schemas.microsoft.com/office/drawing/2014/main" id="{B0D8FE04-2554-594F-8BB6-9AB6468A80C0}"/>
+                <a16:creationId xmlns:a16="http://schemas.microsoft.com/office/drawing/2014/main" xmlns="" id="{B0D8FE04-2554-594F-8BB6-9AB6468A80C0}"/>
               </a:ext>
             </a:extLst>
           </p:cNvPr>
@@ -2518,7 +2522,7 @@
           <p:cNvPr id="3" name="Picture Placeholder 2">
             <a:extLst>
               <a:ext uri="{FF2B5EF4-FFF2-40B4-BE49-F238E27FC236}">
-                <a16:creationId xmlns:a16="http://schemas.microsoft.com/office/drawing/2014/main" id="{D220BA3F-AE81-1A41-BD2E-A7DFB6A01FC1}"/>
+                <a16:creationId xmlns:a16="http://schemas.microsoft.com/office/drawing/2014/main" xmlns="" id="{D220BA3F-AE81-1A41-BD2E-A7DFB6A01FC1}"/>
               </a:ext>
             </a:extLst>
           </p:cNvPr>
@@ -2585,7 +2589,7 @@
           <p:cNvPr id="4" name="Text Placeholder 3">
             <a:extLst>
               <a:ext uri="{FF2B5EF4-FFF2-40B4-BE49-F238E27FC236}">
-                <a16:creationId xmlns:a16="http://schemas.microsoft.com/office/drawing/2014/main" id="{B730C5CB-FA09-7448-A14B-DF0C525D1A93}"/>
+                <a16:creationId xmlns:a16="http://schemas.microsoft.com/office/drawing/2014/main" xmlns="" id="{B730C5CB-FA09-7448-A14B-DF0C525D1A93}"/>
               </a:ext>
             </a:extLst>
           </p:cNvPr>
@@ -2656,7 +2660,7 @@
           <p:cNvPr id="5" name="Date Placeholder 4">
             <a:extLst>
               <a:ext uri="{FF2B5EF4-FFF2-40B4-BE49-F238E27FC236}">
-                <a16:creationId xmlns:a16="http://schemas.microsoft.com/office/drawing/2014/main" id="{15C33DC0-B133-4C41-B342-941A10E2B8BA}"/>
+                <a16:creationId xmlns:a16="http://schemas.microsoft.com/office/drawing/2014/main" xmlns="" id="{15C33DC0-B133-4C41-B342-941A10E2B8BA}"/>
               </a:ext>
             </a:extLst>
           </p:cNvPr>
@@ -2674,7 +2678,7 @@
           <a:p>
             <a:fld id="{5C9B4C69-935F-8A44-9012-897D6BC5F5AC}" type="datetimeFigureOut">
               <a:rPr lang="en-US" smtClean="0"/>
-              <a:t>8/20/2019</a:t>
+              <a:t>8/22/2019</a:t>
             </a:fld>
             <a:endParaRPr lang="en-US" dirty="0"/>
           </a:p>
@@ -2685,7 +2689,7 @@
           <p:cNvPr id="6" name="Footer Placeholder 5">
             <a:extLst>
               <a:ext uri="{FF2B5EF4-FFF2-40B4-BE49-F238E27FC236}">
-                <a16:creationId xmlns:a16="http://schemas.microsoft.com/office/drawing/2014/main" id="{4CF8045C-F593-E640-A522-8E119867CC79}"/>
+                <a16:creationId xmlns:a16="http://schemas.microsoft.com/office/drawing/2014/main" xmlns="" id="{4CF8045C-F593-E640-A522-8E119867CC79}"/>
               </a:ext>
             </a:extLst>
           </p:cNvPr>
@@ -2710,7 +2714,7 @@
           <p:cNvPr id="7" name="Slide Number Placeholder 6">
             <a:extLst>
               <a:ext uri="{FF2B5EF4-FFF2-40B4-BE49-F238E27FC236}">
-                <a16:creationId xmlns:a16="http://schemas.microsoft.com/office/drawing/2014/main" id="{AA5AA3B4-60F2-D849-AC1F-45234215E135}"/>
+                <a16:creationId xmlns:a16="http://schemas.microsoft.com/office/drawing/2014/main" xmlns="" id="{AA5AA3B4-60F2-D849-AC1F-45234215E135}"/>
               </a:ext>
             </a:extLst>
           </p:cNvPr>
@@ -2774,7 +2778,7 @@
           <p:cNvPr id="2" name="Title Placeholder 1">
             <a:extLst>
               <a:ext uri="{FF2B5EF4-FFF2-40B4-BE49-F238E27FC236}">
-                <a16:creationId xmlns:a16="http://schemas.microsoft.com/office/drawing/2014/main" id="{06099671-09F1-2E46-B177-3278D381EA70}"/>
+                <a16:creationId xmlns:a16="http://schemas.microsoft.com/office/drawing/2014/main" xmlns="" id="{06099671-09F1-2E46-B177-3278D381EA70}"/>
               </a:ext>
             </a:extLst>
           </p:cNvPr>
@@ -2812,7 +2816,7 @@
           <p:cNvPr id="3" name="Text Placeholder 2">
             <a:extLst>
               <a:ext uri="{FF2B5EF4-FFF2-40B4-BE49-F238E27FC236}">
-                <a16:creationId xmlns:a16="http://schemas.microsoft.com/office/drawing/2014/main" id="{91CDD7DC-628B-9E45-9C25-F3DF90042697}"/>
+                <a16:creationId xmlns:a16="http://schemas.microsoft.com/office/drawing/2014/main" xmlns="" id="{91CDD7DC-628B-9E45-9C25-F3DF90042697}"/>
               </a:ext>
             </a:extLst>
           </p:cNvPr>
@@ -2879,7 +2883,7 @@
           <p:cNvPr id="4" name="Date Placeholder 3">
             <a:extLst>
               <a:ext uri="{FF2B5EF4-FFF2-40B4-BE49-F238E27FC236}">
-                <a16:creationId xmlns:a16="http://schemas.microsoft.com/office/drawing/2014/main" id="{C060738E-49CA-BB40-A335-9423F0D46FF5}"/>
+                <a16:creationId xmlns:a16="http://schemas.microsoft.com/office/drawing/2014/main" xmlns="" id="{C060738E-49CA-BB40-A335-9423F0D46FF5}"/>
               </a:ext>
             </a:extLst>
           </p:cNvPr>
@@ -2915,7 +2919,7 @@
           <a:p>
             <a:fld id="{5C9B4C69-935F-8A44-9012-897D6BC5F5AC}" type="datetimeFigureOut">
               <a:rPr lang="en-US" smtClean="0"/>
-              <a:t>8/20/2019</a:t>
+              <a:t>8/22/2019</a:t>
             </a:fld>
             <a:endParaRPr lang="en-US" dirty="0"/>
           </a:p>
@@ -2926,7 +2930,7 @@
           <p:cNvPr id="5" name="Footer Placeholder 4">
             <a:extLst>
               <a:ext uri="{FF2B5EF4-FFF2-40B4-BE49-F238E27FC236}">
-                <a16:creationId xmlns:a16="http://schemas.microsoft.com/office/drawing/2014/main" id="{C94CA1B2-1EA3-C94F-BA69-C107EFE43858}"/>
+                <a16:creationId xmlns:a16="http://schemas.microsoft.com/office/drawing/2014/main" xmlns="" id="{C94CA1B2-1EA3-C94F-BA69-C107EFE43858}"/>
               </a:ext>
             </a:extLst>
           </p:cNvPr>
@@ -2969,7 +2973,7 @@
           <p:cNvPr id="6" name="Slide Number Placeholder 5">
             <a:extLst>
               <a:ext uri="{FF2B5EF4-FFF2-40B4-BE49-F238E27FC236}">
-                <a16:creationId xmlns:a16="http://schemas.microsoft.com/office/drawing/2014/main" id="{EE5E290D-728C-4647-9299-FFEF21BBD719}"/>
+                <a16:creationId xmlns:a16="http://schemas.microsoft.com/office/drawing/2014/main" xmlns="" id="{EE5E290D-728C-4647-9299-FFEF21BBD719}"/>
               </a:ext>
             </a:extLst>
           </p:cNvPr>
@@ -3337,7 +3341,7 @@
           <p:cNvPr id="2" name="TextBox 1">
             <a:extLst>
               <a:ext uri="{FF2B5EF4-FFF2-40B4-BE49-F238E27FC236}">
-                <a16:creationId xmlns:a16="http://schemas.microsoft.com/office/drawing/2014/main" id="{2E79E75C-D984-DA4A-BEB0-3A3BCC02528D}"/>
+                <a16:creationId xmlns:a16="http://schemas.microsoft.com/office/drawing/2014/main" xmlns="" id="{2E79E75C-D984-DA4A-BEB0-3A3BCC02528D}"/>
               </a:ext>
             </a:extLst>
           </p:cNvPr>
@@ -3377,7 +3381,7 @@
           <p:cNvPr id="3" name="Rectangle 2">
             <a:extLst>
               <a:ext uri="{FF2B5EF4-FFF2-40B4-BE49-F238E27FC236}">
-                <a16:creationId xmlns:a16="http://schemas.microsoft.com/office/drawing/2014/main" id="{9C102BC8-10C2-0B46-B2D1-5D63D5CD23B5}"/>
+                <a16:creationId xmlns:a16="http://schemas.microsoft.com/office/drawing/2014/main" xmlns="" id="{9C102BC8-10C2-0B46-B2D1-5D63D5CD23B5}"/>
               </a:ext>
             </a:extLst>
           </p:cNvPr>
@@ -3386,8 +3390,8 @@
         </p:nvSpPr>
         <p:spPr>
           <a:xfrm>
-            <a:off x="1978172" y="519405"/>
-            <a:ext cx="7976863" cy="553998"/>
+            <a:off x="2744470" y="590062"/>
+            <a:ext cx="6444265" cy="553998"/>
           </a:xfrm>
           <a:prstGeom prst="rect">
             <a:avLst/>
@@ -3415,7 +3419,39 @@
                   </a:outerShdw>
                 </a:effectLst>
               </a:rPr>
-              <a:t>Opening a New Coffee House in Ha Noi, VietNam</a:t>
+              <a:t>Opening a New </a:t>
+            </a:r>
+            <a:r>
+              <a:rPr lang="en-US" sz="3000" b="1" dirty="0" smtClean="0">
+                <a:ln w="0"/>
+                <a:solidFill>
+                  <a:schemeClr val="accent1"/>
+                </a:solidFill>
+                <a:effectLst>
+                  <a:outerShdw blurRad="38100" dist="25400" dir="5400000" algn="ctr" rotWithShape="0">
+                    <a:srgbClr val="6E747A">
+                      <a:alpha val="43000"/>
+                    </a:srgbClr>
+                  </a:outerShdw>
+                </a:effectLst>
+              </a:rPr>
+              <a:t>SPA in </a:t>
+            </a:r>
+            <a:r>
+              <a:rPr lang="en-US" sz="3000" b="1" dirty="0">
+                <a:ln w="0"/>
+                <a:solidFill>
+                  <a:schemeClr val="accent1"/>
+                </a:solidFill>
+                <a:effectLst>
+                  <a:outerShdw blurRad="38100" dist="25400" dir="5400000" algn="ctr" rotWithShape="0">
+                    <a:srgbClr val="6E747A">
+                      <a:alpha val="43000"/>
+                    </a:srgbClr>
+                  </a:outerShdw>
+                </a:effectLst>
+              </a:rPr>
+              <a:t>Ha Noi, VietNam</a:t>
             </a:r>
             <a:endParaRPr lang="en-US" sz="3000" b="1" cap="none" spc="0" dirty="0">
               <a:ln w="0"/>
@@ -3438,7 +3474,7 @@
           <p:cNvPr id="14" name="Straight Connector 13">
             <a:extLst>
               <a:ext uri="{FF2B5EF4-FFF2-40B4-BE49-F238E27FC236}">
-                <a16:creationId xmlns:a16="http://schemas.microsoft.com/office/drawing/2014/main" id="{452613AA-D761-2C4D-89F8-C70FE3357378}"/>
+                <a16:creationId xmlns:a16="http://schemas.microsoft.com/office/drawing/2014/main" xmlns="" id="{452613AA-D761-2C4D-89F8-C70FE3357378}"/>
               </a:ext>
             </a:extLst>
           </p:cNvPr>
@@ -3474,7 +3510,7 @@
           <p:cNvPr id="15" name="TextBox 14">
             <a:extLst>
               <a:ext uri="{FF2B5EF4-FFF2-40B4-BE49-F238E27FC236}">
-                <a16:creationId xmlns:a16="http://schemas.microsoft.com/office/drawing/2014/main" id="{D070F064-9BF0-294A-AE36-76A1C64EA9A3}"/>
+                <a16:creationId xmlns:a16="http://schemas.microsoft.com/office/drawing/2014/main" xmlns="" id="{D070F064-9BF0-294A-AE36-76A1C64EA9A3}"/>
               </a:ext>
             </a:extLst>
           </p:cNvPr>
@@ -3514,7 +3550,7 @@
           <p:cNvPr id="16" name="Picture 15">
             <a:extLst>
               <a:ext uri="{FF2B5EF4-FFF2-40B4-BE49-F238E27FC236}">
-                <a16:creationId xmlns:a16="http://schemas.microsoft.com/office/drawing/2014/main" id="{6FA1F4DC-248C-9849-87A4-39FBD334324E}"/>
+                <a16:creationId xmlns:a16="http://schemas.microsoft.com/office/drawing/2014/main" xmlns="" id="{6FA1F4DC-248C-9849-87A4-39FBD334324E}"/>
               </a:ext>
             </a:extLst>
           </p:cNvPr>
@@ -3544,7 +3580,7 @@
           <p:cNvPr id="17" name="TextBox 16">
             <a:extLst>
               <a:ext uri="{FF2B5EF4-FFF2-40B4-BE49-F238E27FC236}">
-                <a16:creationId xmlns:a16="http://schemas.microsoft.com/office/drawing/2014/main" id="{00F09588-6CD6-D94E-B031-0E5D1D5FA315}"/>
+                <a16:creationId xmlns:a16="http://schemas.microsoft.com/office/drawing/2014/main" xmlns="" id="{00F09588-6CD6-D94E-B031-0E5D1D5FA315}"/>
               </a:ext>
             </a:extLst>
           </p:cNvPr>
@@ -3618,6 +3654,349 @@
     <p:extLst>
       <p:ext uri="{BB962C8B-B14F-4D97-AF65-F5344CB8AC3E}">
         <p14:creationId xmlns:p14="http://schemas.microsoft.com/office/powerpoint/2010/main" val="3874870114"/>
+      </p:ext>
+    </p:extLst>
+  </p:cSld>
+  <p:clrMapOvr>
+    <a:masterClrMapping/>
+  </p:clrMapOvr>
+</p:sld>
+</file>
+
+<file path=ppt/slides/slide10.xml><?xml version="1.0" encoding="utf-8"?>
+<p:sld xmlns:a="http://schemas.openxmlformats.org/drawingml/2006/main" xmlns:r="http://schemas.openxmlformats.org/officeDocument/2006/relationships" xmlns:p="http://schemas.openxmlformats.org/presentationml/2006/main">
+  <p:cSld>
+    <p:spTree>
+      <p:nvGrpSpPr>
+        <p:cNvPr id="1" name=""/>
+        <p:cNvGrpSpPr/>
+        <p:nvPr/>
+      </p:nvGrpSpPr>
+      <p:grpSpPr>
+        <a:xfrm>
+          <a:off x="0" y="0"/>
+          <a:ext cx="0" cy="0"/>
+          <a:chOff x="0" y="0"/>
+          <a:chExt cx="0" cy="0"/>
+        </a:xfrm>
+      </p:grpSpPr>
+      <p:sp>
+        <p:nvSpPr>
+          <p:cNvPr id="4" name="Rectangle 3">
+            <a:extLst>
+              <a:ext uri="{FF2B5EF4-FFF2-40B4-BE49-F238E27FC236}">
+                <a16:creationId xmlns:a16="http://schemas.microsoft.com/office/drawing/2014/main" xmlns="" id="{0C292D42-FF4F-7346-A958-8213F67A6373}"/>
+              </a:ext>
+            </a:extLst>
+          </p:cNvPr>
+          <p:cNvSpPr/>
+          <p:nvPr/>
+        </p:nvSpPr>
+        <p:spPr>
+          <a:xfrm>
+            <a:off x="932390" y="0"/>
+            <a:ext cx="3316935" cy="923330"/>
+          </a:xfrm>
+          <a:prstGeom prst="rect">
+            <a:avLst/>
+          </a:prstGeom>
+          <a:noFill/>
+        </p:spPr>
+        <p:txBody>
+          <a:bodyPr wrap="none" lIns="91440" tIns="45720" rIns="91440" bIns="45720">
+            <a:spAutoFit/>
+          </a:bodyPr>
+          <a:lstStyle/>
+          <a:p>
+            <a:pPr algn="ctr"/>
+            <a:r>
+              <a:rPr lang="en-US" sz="5400" b="1" cap="none" spc="0" dirty="0" smtClean="0">
+                <a:ln w="0"/>
+                <a:solidFill>
+                  <a:schemeClr val="accent1"/>
+                </a:solidFill>
+                <a:effectLst>
+                  <a:outerShdw blurRad="38100" dist="25400" dir="5400000" algn="ctr" rotWithShape="0">
+                    <a:srgbClr val="6E747A">
+                      <a:alpha val="43000"/>
+                    </a:srgbClr>
+                  </a:outerShdw>
+                </a:effectLst>
+              </a:rPr>
+              <a:t>Conclusion</a:t>
+            </a:r>
+            <a:endParaRPr lang="en-US" sz="5400" b="1" cap="none" spc="0" dirty="0">
+              <a:ln w="0"/>
+              <a:solidFill>
+                <a:schemeClr val="accent1"/>
+              </a:solidFill>
+              <a:effectLst>
+                <a:outerShdw blurRad="38100" dist="25400" dir="5400000" algn="ctr" rotWithShape="0">
+                  <a:srgbClr val="6E747A">
+                    <a:alpha val="43000"/>
+                  </a:srgbClr>
+                </a:outerShdw>
+              </a:effectLst>
+            </a:endParaRPr>
+          </a:p>
+        </p:txBody>
+      </p:sp>
+      <p:sp>
+        <p:nvSpPr>
+          <p:cNvPr id="2" name="Rectangle 1"/>
+          <p:cNvSpPr/>
+          <p:nvPr/>
+        </p:nvSpPr>
+        <p:spPr>
+          <a:xfrm>
+            <a:off x="1000007" y="1128107"/>
+            <a:ext cx="10597261" cy="3956661"/>
+          </a:xfrm>
+          <a:prstGeom prst="rect">
+            <a:avLst/>
+          </a:prstGeom>
+        </p:spPr>
+        <p:txBody>
+          <a:bodyPr wrap="square">
+            <a:spAutoFit/>
+          </a:bodyPr>
+          <a:lstStyle/>
+          <a:p>
+            <a:pPr marL="514350" marR="0" indent="-285750" algn="just">
+              <a:lnSpc>
+                <a:spcPct val="107000"/>
+              </a:lnSpc>
+              <a:spcBef>
+                <a:spcPts val="0"/>
+              </a:spcBef>
+              <a:spcAft>
+                <a:spcPts val="800"/>
+              </a:spcAft>
+              <a:buFont typeface="Arial" panose="020B0604020202020204" pitchFamily="34" charset="0"/>
+              <a:buChar char="•"/>
+            </a:pPr>
+            <a:r>
+              <a:rPr lang="en-US" sz="2400" dirty="0" smtClean="0">
+                <a:latin typeface="Times New Roman" panose="02020603050405020304" pitchFamily="18" charset="0"/>
+                <a:ea typeface="Tahoma" panose="020B0604030504040204" pitchFamily="34" charset="0"/>
+                <a:cs typeface="Times New Roman" panose="02020603050405020304" pitchFamily="18" charset="0"/>
+              </a:rPr>
+              <a:t>In this Project I use only </a:t>
+            </a:r>
+            <a:r>
+              <a:rPr lang="en-US" sz="2400" dirty="0" smtClean="0">
+                <a:latin typeface="Times New Roman" panose="02020603050405020304" pitchFamily="18" charset="0"/>
+                <a:ea typeface="Tahoma" panose="020B0604030504040204" pitchFamily="34" charset="0"/>
+                <a:cs typeface="Times New Roman" panose="02020603050405020304" pitchFamily="18" charset="0"/>
+              </a:rPr>
+              <a:t>1 factor as frequency of occurrence of Spas is used to find out the answer for the question from </a:t>
+            </a:r>
+            <a:r>
+              <a:rPr lang="en-US" sz="2400" dirty="0" smtClean="0">
+                <a:latin typeface="Times New Roman" panose="02020603050405020304" pitchFamily="18" charset="0"/>
+                <a:ea typeface="Tahoma" panose="020B0604030504040204" pitchFamily="34" charset="0"/>
+                <a:cs typeface="Times New Roman" panose="02020603050405020304" pitchFamily="18" charset="0"/>
+              </a:rPr>
+              <a:t>business and I still got the desired result. </a:t>
+            </a:r>
+            <a:endParaRPr lang="en-US" sz="2400" dirty="0" smtClean="0">
+              <a:latin typeface="Times New Roman" panose="02020603050405020304" pitchFamily="18" charset="0"/>
+              <a:ea typeface="Tahoma" panose="020B0604030504040204" pitchFamily="34" charset="0"/>
+              <a:cs typeface="Times New Roman" panose="02020603050405020304" pitchFamily="18" charset="0"/>
+            </a:endParaRPr>
+          </a:p>
+          <a:p>
+            <a:pPr marL="514350" marR="0" indent="-285750" algn="just">
+              <a:lnSpc>
+                <a:spcPct val="107000"/>
+              </a:lnSpc>
+              <a:spcBef>
+                <a:spcPts val="0"/>
+              </a:spcBef>
+              <a:spcAft>
+                <a:spcPts val="800"/>
+              </a:spcAft>
+              <a:buFont typeface="Arial" panose="020B0604020202020204" pitchFamily="34" charset="0"/>
+              <a:buChar char="•"/>
+            </a:pPr>
+            <a:r>
+              <a:rPr lang="en-US" sz="2400" dirty="0" smtClean="0">
+                <a:latin typeface="Times New Roman" panose="02020603050405020304" pitchFamily="18" charset="0"/>
+                <a:ea typeface="Tahoma" panose="020B0604030504040204" pitchFamily="34" charset="0"/>
+                <a:cs typeface="Times New Roman" panose="02020603050405020304" pitchFamily="18" charset="0"/>
+              </a:rPr>
+              <a:t>There are other factors such as population, </a:t>
+            </a:r>
+            <a:r>
+              <a:rPr lang="en-US" sz="2400" dirty="0" smtClean="0">
+                <a:latin typeface="Times New Roman" panose="02020603050405020304" pitchFamily="18" charset="0"/>
+                <a:ea typeface="Tahoma" panose="020B0604030504040204" pitchFamily="34" charset="0"/>
+                <a:cs typeface="Times New Roman" panose="02020603050405020304" pitchFamily="18" charset="0"/>
+              </a:rPr>
+              <a:t>income, </a:t>
+            </a:r>
+            <a:r>
+              <a:rPr lang="en-US" sz="2400" dirty="0" smtClean="0">
+                <a:latin typeface="Times New Roman" panose="02020603050405020304" pitchFamily="18" charset="0"/>
+                <a:ea typeface="Tahoma" panose="020B0604030504040204" pitchFamily="34" charset="0"/>
+                <a:cs typeface="Times New Roman" panose="02020603050405020304" pitchFamily="18" charset="0"/>
+              </a:rPr>
+              <a:t>etc... that could influence the decision for investor to invest in Spa.</a:t>
+            </a:r>
+          </a:p>
+          <a:p>
+            <a:pPr marL="514350" marR="0" indent="-285750" algn="just">
+              <a:lnSpc>
+                <a:spcPct val="107000"/>
+              </a:lnSpc>
+              <a:spcBef>
+                <a:spcPts val="0"/>
+              </a:spcBef>
+              <a:spcAft>
+                <a:spcPts val="800"/>
+              </a:spcAft>
+              <a:buFont typeface="Arial" panose="020B0604020202020204" pitchFamily="34" charset="0"/>
+              <a:buChar char="•"/>
+            </a:pPr>
+            <a:r>
+              <a:rPr lang="en-US" sz="2400" dirty="0" smtClean="0">
+                <a:latin typeface="Times New Roman" panose="02020603050405020304" pitchFamily="18" charset="0"/>
+                <a:ea typeface="Tahoma" panose="020B0604030504040204" pitchFamily="34" charset="0"/>
+                <a:cs typeface="Times New Roman" panose="02020603050405020304" pitchFamily="18" charset="0"/>
+              </a:rPr>
+              <a:t>Through this project I show that with data science methodology, </a:t>
+            </a:r>
+            <a:r>
+              <a:rPr lang="en-US" sz="2400" dirty="0" err="1" smtClean="0">
+                <a:latin typeface="Times New Roman" panose="02020603050405020304" pitchFamily="18" charset="0"/>
+                <a:ea typeface="Tahoma" panose="020B0604030504040204" pitchFamily="34" charset="0"/>
+                <a:cs typeface="Times New Roman" panose="02020603050405020304" pitchFamily="18" charset="0"/>
+              </a:rPr>
+              <a:t>toolboxs</a:t>
+            </a:r>
+            <a:r>
+              <a:rPr lang="en-US" sz="2400" dirty="0">
+                <a:latin typeface="Times New Roman" panose="02020603050405020304" pitchFamily="18" charset="0"/>
+                <a:ea typeface="Tahoma" panose="020B0604030504040204" pitchFamily="34" charset="0"/>
+                <a:cs typeface="Times New Roman" panose="02020603050405020304" pitchFamily="18" charset="0"/>
+              </a:rPr>
+              <a:t> </a:t>
+            </a:r>
+            <a:r>
+              <a:rPr lang="en-US" sz="2400" dirty="0" smtClean="0">
+                <a:latin typeface="Times New Roman" panose="02020603050405020304" pitchFamily="18" charset="0"/>
+                <a:ea typeface="Tahoma" panose="020B0604030504040204" pitchFamily="34" charset="0"/>
+                <a:cs typeface="Times New Roman" panose="02020603050405020304" pitchFamily="18" charset="0"/>
+              </a:rPr>
+              <a:t>we can use to solve real business problems. </a:t>
+            </a:r>
+          </a:p>
+          <a:p>
+            <a:pPr marL="514350" marR="0" indent="-285750" algn="just">
+              <a:lnSpc>
+                <a:spcPct val="107000"/>
+              </a:lnSpc>
+              <a:spcBef>
+                <a:spcPts val="0"/>
+              </a:spcBef>
+              <a:spcAft>
+                <a:spcPts val="800"/>
+              </a:spcAft>
+              <a:buFont typeface="Arial" panose="020B0604020202020204" pitchFamily="34" charset="0"/>
+              <a:buChar char="•"/>
+            </a:pPr>
+            <a:r>
+              <a:rPr lang="en-US" sz="2400" dirty="0" smtClean="0">
+                <a:latin typeface="Times New Roman" panose="02020603050405020304" pitchFamily="18" charset="0"/>
+                <a:ea typeface="Tahoma" panose="020B0604030504040204" pitchFamily="34" charset="0"/>
+                <a:cs typeface="Times New Roman" panose="02020603050405020304" pitchFamily="18" charset="0"/>
+              </a:rPr>
+              <a:t>We need to invest more money to get data and register the paid account in Foursquare to get more information.</a:t>
+            </a:r>
+            <a:endParaRPr lang="en-US" sz="2400" dirty="0">
+              <a:effectLst/>
+              <a:latin typeface="Times New Roman" panose="02020603050405020304" pitchFamily="18" charset="0"/>
+              <a:ea typeface="Tahoma" panose="020B0604030504040204" pitchFamily="34" charset="0"/>
+              <a:cs typeface="Times New Roman" panose="02020603050405020304" pitchFamily="18" charset="0"/>
+            </a:endParaRPr>
+          </a:p>
+        </p:txBody>
+      </p:sp>
+    </p:spTree>
+    <p:extLst>
+      <p:ext uri="{BB962C8B-B14F-4D97-AF65-F5344CB8AC3E}">
+        <p14:creationId xmlns:p14="http://schemas.microsoft.com/office/powerpoint/2010/main" val="1748249899"/>
+      </p:ext>
+    </p:extLst>
+  </p:cSld>
+  <p:clrMapOvr>
+    <a:masterClrMapping/>
+  </p:clrMapOvr>
+</p:sld>
+</file>
+
+<file path=ppt/slides/slide11.xml><?xml version="1.0" encoding="utf-8"?>
+<p:sld xmlns:a="http://schemas.openxmlformats.org/drawingml/2006/main" xmlns:r="http://schemas.openxmlformats.org/officeDocument/2006/relationships" xmlns:p="http://schemas.openxmlformats.org/presentationml/2006/main">
+  <p:cSld>
+    <p:spTree>
+      <p:nvGrpSpPr>
+        <p:cNvPr id="1" name=""/>
+        <p:cNvGrpSpPr/>
+        <p:nvPr/>
+      </p:nvGrpSpPr>
+      <p:grpSpPr>
+        <a:xfrm>
+          <a:off x="0" y="0"/>
+          <a:ext cx="0" cy="0"/>
+          <a:chOff x="0" y="0"/>
+          <a:chExt cx="0" cy="0"/>
+        </a:xfrm>
+      </p:grpSpPr>
+      <p:pic>
+        <p:nvPicPr>
+          <p:cNvPr id="6146" name="Picture 2" descr="Káº¿t quáº£ hÃ¬nh áº£nh cho thank you"/>
+          <p:cNvPicPr>
+            <a:picLocks noChangeAspect="1" noChangeArrowheads="1"/>
+          </p:cNvPicPr>
+          <p:nvPr/>
+        </p:nvPicPr>
+        <p:blipFill>
+          <a:blip r:embed="rId2">
+            <a:extLst>
+              <a:ext uri="{28A0092B-C50C-407E-A947-70E740481C1C}">
+                <a14:useLocalDpi xmlns:a14="http://schemas.microsoft.com/office/drawing/2010/main" val="0"/>
+              </a:ext>
+            </a:extLst>
+          </a:blip>
+          <a:srcRect/>
+          <a:stretch>
+            <a:fillRect/>
+          </a:stretch>
+        </p:blipFill>
+        <p:spPr bwMode="auto">
+          <a:xfrm>
+            <a:off x="1576751" y="881349"/>
+            <a:ext cx="9105440" cy="4792337"/>
+          </a:xfrm>
+          <a:prstGeom prst="rect">
+            <a:avLst/>
+          </a:prstGeom>
+          <a:noFill/>
+          <a:extLst>
+            <a:ext uri="{909E8E84-426E-40DD-AFC4-6F175D3DCCD1}">
+              <a14:hiddenFill xmlns:a14="http://schemas.microsoft.com/office/drawing/2010/main">
+                <a:solidFill>
+                  <a:srgbClr val="FFFFFF"/>
+                </a:solidFill>
+              </a14:hiddenFill>
+            </a:ext>
+          </a:extLst>
+        </p:spPr>
+      </p:pic>
+    </p:spTree>
+    <p:extLst>
+      <p:ext uri="{BB962C8B-B14F-4D97-AF65-F5344CB8AC3E}">
+        <p14:creationId xmlns:p14="http://schemas.microsoft.com/office/powerpoint/2010/main" val="1201027374"/>
       </p:ext>
     </p:extLst>
   </p:cSld>
@@ -3649,7 +4028,7 @@
           <p:cNvPr id="4" name="Rectangle 3">
             <a:extLst>
               <a:ext uri="{FF2B5EF4-FFF2-40B4-BE49-F238E27FC236}">
-                <a16:creationId xmlns:a16="http://schemas.microsoft.com/office/drawing/2014/main" id="{C878F6E7-A5E4-1C47-8A9A-392D9743F2C6}"/>
+                <a16:creationId xmlns:a16="http://schemas.microsoft.com/office/drawing/2014/main" xmlns="" id="{C878F6E7-A5E4-1C47-8A9A-392D9743F2C6}"/>
               </a:ext>
             </a:extLst>
           </p:cNvPr>
@@ -3697,7 +4076,7 @@
           <p:cNvPr id="5" name="TextBox 4">
             <a:extLst>
               <a:ext uri="{FF2B5EF4-FFF2-40B4-BE49-F238E27FC236}">
-                <a16:creationId xmlns:a16="http://schemas.microsoft.com/office/drawing/2014/main" id="{47E957B2-DB28-E24E-A5EF-EC6A55AF8C18}"/>
+                <a16:creationId xmlns:a16="http://schemas.microsoft.com/office/drawing/2014/main" xmlns="" id="{47E957B2-DB28-E24E-A5EF-EC6A55AF8C18}"/>
               </a:ext>
             </a:extLst>
           </p:cNvPr>
@@ -3707,7 +4086,7 @@
         <p:spPr>
           <a:xfrm>
             <a:off x="370936" y="1176350"/>
-            <a:ext cx="11274724" cy="3903954"/>
+            <a:ext cx="11274724" cy="3970318"/>
           </a:xfrm>
           <a:prstGeom prst="rect">
             <a:avLst/>
@@ -3740,7 +4119,7 @@
             </a:endParaRPr>
           </a:p>
           <a:p>
-            <a:pPr marL="285750" indent="-285750">
+            <a:pPr marL="285750" indent="-285750" algn="just">
               <a:lnSpc>
                 <a:spcPct val="150000"/>
               </a:lnSpc>
@@ -3752,12 +4131,22 @@
                 <a:latin typeface="Times New Roman" panose="02020603050405020304" pitchFamily="18" charset="0"/>
                 <a:cs typeface="Times New Roman" panose="02020603050405020304" pitchFamily="18" charset="0"/>
               </a:rPr>
-              <a:t>The objective of this final assignment is to analyze and select best locations Ha Noi to open new coffee house. I use data science methodology and machine learning techniques that have learned through 9 course in IBM Data Science Professional Certificate such as data collection, data cleaning, Foursquare location data, clustering to answer the business question: where to open new coffee how in Hanoi.</a:t>
-            </a:r>
-            <a:endParaRPr lang="en-US" sz="2400" dirty="0">
-              <a:latin typeface="Times New Roman" panose="02020603050405020304" pitchFamily="18" charset="0"/>
-              <a:cs typeface="Times New Roman" panose="02020603050405020304" pitchFamily="18" charset="0"/>
-            </a:endParaRPr>
+              <a:t>The objective of this final assignment is to analyze and select best locations Ha Noi to open new </a:t>
+            </a:r>
+            <a:r>
+              <a:rPr lang="en-US" sz="2400" dirty="0" smtClean="0">
+                <a:latin typeface="Times New Roman" panose="02020603050405020304" pitchFamily="18" charset="0"/>
+                <a:cs typeface="Times New Roman" panose="02020603050405020304" pitchFamily="18" charset="0"/>
+              </a:rPr>
+              <a:t>Spa. </a:t>
+            </a:r>
+            <a:r>
+              <a:rPr lang="en-US" sz="2400" dirty="0">
+                <a:latin typeface="Times New Roman" panose="02020603050405020304" pitchFamily="18" charset="0"/>
+                <a:cs typeface="Times New Roman" panose="02020603050405020304" pitchFamily="18" charset="0"/>
+              </a:rPr>
+              <a:t>I use data science methodology and machine learning techniques that have learned through 9 course in IBM Data Science Professional Certificate such as data collection, data cleaning, Foursquare location data, clustering to answer the business question: where to open new coffee how in Hanoi.</a:t>
+            </a:r>
           </a:p>
         </p:txBody>
       </p:sp>
@@ -3796,7 +4185,7 @@
           <p:cNvPr id="2" name="Rectangle 1">
             <a:extLst>
               <a:ext uri="{FF2B5EF4-FFF2-40B4-BE49-F238E27FC236}">
-                <a16:creationId xmlns:a16="http://schemas.microsoft.com/office/drawing/2014/main" id="{8C0A85E4-EFA3-FB48-B29B-79C38605C376}"/>
+                <a16:creationId xmlns:a16="http://schemas.microsoft.com/office/drawing/2014/main" xmlns="" id="{8C0A85E4-EFA3-FB48-B29B-79C38605C376}"/>
               </a:ext>
             </a:extLst>
           </p:cNvPr>
@@ -3844,7 +4233,7 @@
           <p:cNvPr id="3" name="TextBox 2">
             <a:extLst>
               <a:ext uri="{FF2B5EF4-FFF2-40B4-BE49-F238E27FC236}">
-                <a16:creationId xmlns:a16="http://schemas.microsoft.com/office/drawing/2014/main" id="{0A105ECC-DCB5-B446-B531-B07F539A38A7}"/>
+                <a16:creationId xmlns:a16="http://schemas.microsoft.com/office/drawing/2014/main" xmlns="" id="{0A105ECC-DCB5-B446-B531-B07F539A38A7}"/>
               </a:ext>
             </a:extLst>
           </p:cNvPr>
@@ -3854,7 +4243,7 @@
         <p:spPr>
           <a:xfrm>
             <a:off x="293298" y="1009593"/>
-            <a:ext cx="11274724" cy="2241960"/>
+            <a:ext cx="11274724" cy="2308324"/>
           </a:xfrm>
           <a:prstGeom prst="rect">
             <a:avLst/>
@@ -3932,7 +4321,21 @@
                 <a:latin typeface="Times New Roman" panose="02020603050405020304" pitchFamily="18" charset="0"/>
                 <a:cs typeface="Times New Roman" panose="02020603050405020304" pitchFamily="18" charset="0"/>
               </a:rPr>
-              <a:t>data include coffee house data to perform clustering on the neighborhoods.</a:t>
+              <a:t>data include </a:t>
+            </a:r>
+            <a:r>
+              <a:rPr lang="en-US" sz="2400" dirty="0" smtClean="0">
+                <a:latin typeface="Times New Roman" panose="02020603050405020304" pitchFamily="18" charset="0"/>
+                <a:cs typeface="Times New Roman" panose="02020603050405020304" pitchFamily="18" charset="0"/>
+              </a:rPr>
+              <a:t>Spa </a:t>
+            </a:r>
+            <a:r>
+              <a:rPr lang="en-US" sz="2400" dirty="0">
+                <a:latin typeface="Times New Roman" panose="02020603050405020304" pitchFamily="18" charset="0"/>
+                <a:cs typeface="Times New Roman" panose="02020603050405020304" pitchFamily="18" charset="0"/>
+              </a:rPr>
+              <a:t>data to perform clustering on the neighborhoods.</a:t>
             </a:r>
           </a:p>
         </p:txBody>
@@ -3972,7 +4375,7 @@
           <p:cNvPr id="2" name="Rectangle 1">
             <a:extLst>
               <a:ext uri="{FF2B5EF4-FFF2-40B4-BE49-F238E27FC236}">
-                <a16:creationId xmlns:a16="http://schemas.microsoft.com/office/drawing/2014/main" id="{47D5F818-5F01-D940-8504-EA6B692AFD27}"/>
+                <a16:creationId xmlns:a16="http://schemas.microsoft.com/office/drawing/2014/main" xmlns="" id="{47D5F818-5F01-D940-8504-EA6B692AFD27}"/>
               </a:ext>
             </a:extLst>
           </p:cNvPr>
@@ -4020,7 +4423,7 @@
           <p:cNvPr id="11" name="TextBox 10">
             <a:extLst>
               <a:ext uri="{FF2B5EF4-FFF2-40B4-BE49-F238E27FC236}">
-                <a16:creationId xmlns:a16="http://schemas.microsoft.com/office/drawing/2014/main" id="{00CBFA14-8A64-1B4F-8428-74CB5CCC4112}"/>
+                <a16:creationId xmlns:a16="http://schemas.microsoft.com/office/drawing/2014/main" xmlns="" id="{00CBFA14-8A64-1B4F-8428-74CB5CCC4112}"/>
               </a:ext>
             </a:extLst>
           </p:cNvPr>
@@ -4030,7 +4433,7 @@
         <p:spPr>
           <a:xfrm>
             <a:off x="917276" y="1210499"/>
-            <a:ext cx="9988617" cy="5011949"/>
+            <a:ext cx="9988617" cy="5078313"/>
           </a:xfrm>
           <a:prstGeom prst="rect">
             <a:avLst/>
@@ -4119,21 +4522,7 @@
                 <a:latin typeface="Times New Roman" panose="02020603050405020304" pitchFamily="18" charset="0"/>
                 <a:cs typeface="Times New Roman" panose="02020603050405020304" pitchFamily="18" charset="0"/>
               </a:rPr>
-              <a:t>Group Data by </a:t>
-            </a:r>
-            <a:r>
-              <a:rPr lang="en-US" sz="2400" dirty="0" err="1" smtClean="0">
-                <a:latin typeface="Times New Roman" panose="02020603050405020304" pitchFamily="18" charset="0"/>
-                <a:cs typeface="Times New Roman" panose="02020603050405020304" pitchFamily="18" charset="0"/>
-              </a:rPr>
-              <a:t>Dist</a:t>
-            </a:r>
-            <a:r>
-              <a:rPr lang="en-US" sz="2400" dirty="0" smtClean="0">
-                <a:latin typeface="Times New Roman" panose="02020603050405020304" pitchFamily="18" charset="0"/>
-                <a:cs typeface="Times New Roman" panose="02020603050405020304" pitchFamily="18" charset="0"/>
-              </a:rPr>
-              <a:t> (Neighborhood) and calculate the mean of the frequency occurrence of each venue category.</a:t>
+              <a:t>Group Data by District (Neighborhood) and calculate the mean of the frequency occurrence of each venue category.</a:t>
             </a:r>
           </a:p>
           <a:p>
@@ -4165,21 +4554,7 @@
                 <a:latin typeface="Times New Roman" panose="02020603050405020304" pitchFamily="18" charset="0"/>
                 <a:cs typeface="Times New Roman" panose="02020603050405020304" pitchFamily="18" charset="0"/>
               </a:rPr>
-              <a:t>Use </a:t>
-            </a:r>
-            <a:r>
-              <a:rPr lang="en-US" sz="2400" dirty="0" err="1" smtClean="0">
-                <a:latin typeface="Times New Roman" panose="02020603050405020304" pitchFamily="18" charset="0"/>
-                <a:cs typeface="Times New Roman" panose="02020603050405020304" pitchFamily="18" charset="0"/>
-              </a:rPr>
-              <a:t>Kmeans</a:t>
-            </a:r>
-            <a:r>
-              <a:rPr lang="en-US" sz="2400" dirty="0" smtClean="0">
-                <a:latin typeface="Times New Roman" panose="02020603050405020304" pitchFamily="18" charset="0"/>
-                <a:cs typeface="Times New Roman" panose="02020603050405020304" pitchFamily="18" charset="0"/>
-              </a:rPr>
-              <a:t> clustering on the data to perform clustering on the data.</a:t>
+              <a:t>Use K-means clustering on the data to perform clustering on the data.</a:t>
             </a:r>
           </a:p>
           <a:p>
@@ -4239,7 +4614,7 @@
           <p:cNvPr id="2" name="Rectangle 1">
             <a:extLst>
               <a:ext uri="{FF2B5EF4-FFF2-40B4-BE49-F238E27FC236}">
-                <a16:creationId xmlns:a16="http://schemas.microsoft.com/office/drawing/2014/main" id="{45BF668B-514A-A548-B683-05190E09963B}"/>
+                <a16:creationId xmlns:a16="http://schemas.microsoft.com/office/drawing/2014/main" xmlns="" id="{45BF668B-514A-A548-B683-05190E09963B}"/>
               </a:ext>
             </a:extLst>
           </p:cNvPr>
@@ -4282,39 +4657,6 @@
           </a:p>
         </p:txBody>
       </p:sp>
-      <p:pic>
-        <p:nvPicPr>
-          <p:cNvPr id="5" name="Picture 4"/>
-          <p:cNvPicPr/>
-          <p:nvPr/>
-        </p:nvPicPr>
-        <p:blipFill>
-          <a:blip r:embed="rId2">
-            <a:extLst>
-              <a:ext uri="{28A0092B-C50C-407E-A947-70E740481C1C}">
-                <a14:useLocalDpi xmlns:a14="http://schemas.microsoft.com/office/drawing/2010/main" val="0"/>
-              </a:ext>
-            </a:extLst>
-          </a:blip>
-          <a:srcRect/>
-          <a:stretch>
-            <a:fillRect/>
-          </a:stretch>
-        </p:blipFill>
-        <p:spPr bwMode="auto">
-          <a:xfrm>
-            <a:off x="6023113" y="1722350"/>
-            <a:ext cx="5821906" cy="3757213"/>
-          </a:xfrm>
-          <a:prstGeom prst="rect">
-            <a:avLst/>
-          </a:prstGeom>
-          <a:noFill/>
-          <a:ln>
-            <a:noFill/>
-          </a:ln>
-        </p:spPr>
-      </p:pic>
       <p:sp>
         <p:nvSpPr>
           <p:cNvPr id="7" name="TextBox 6"/>
@@ -4353,78 +4695,6 @@
           </a:p>
         </p:txBody>
       </p:sp>
-      <p:pic>
-        <p:nvPicPr>
-          <p:cNvPr id="8" name="Picture 7"/>
-          <p:cNvPicPr>
-            <a:picLocks noChangeAspect="1"/>
-          </p:cNvPicPr>
-          <p:nvPr/>
-        </p:nvPicPr>
-        <p:blipFill>
-          <a:blip r:embed="rId3"/>
-          <a:stretch>
-            <a:fillRect/>
-          </a:stretch>
-        </p:blipFill>
-        <p:spPr>
-          <a:xfrm>
-            <a:off x="641891" y="3424004"/>
-            <a:ext cx="209550" cy="180975"/>
-          </a:xfrm>
-          <a:prstGeom prst="rect">
-            <a:avLst/>
-          </a:prstGeom>
-        </p:spPr>
-      </p:pic>
-      <p:pic>
-        <p:nvPicPr>
-          <p:cNvPr id="9" name="Picture 8"/>
-          <p:cNvPicPr>
-            <a:picLocks noChangeAspect="1"/>
-          </p:cNvPicPr>
-          <p:nvPr/>
-        </p:nvPicPr>
-        <p:blipFill>
-          <a:blip r:embed="rId4"/>
-          <a:stretch>
-            <a:fillRect/>
-          </a:stretch>
-        </p:blipFill>
-        <p:spPr>
-          <a:xfrm>
-            <a:off x="641891" y="2610598"/>
-            <a:ext cx="161925" cy="209550"/>
-          </a:xfrm>
-          <a:prstGeom prst="rect">
-            <a:avLst/>
-          </a:prstGeom>
-        </p:spPr>
-      </p:pic>
-      <p:pic>
-        <p:nvPicPr>
-          <p:cNvPr id="10" name="Picture 9"/>
-          <p:cNvPicPr>
-            <a:picLocks noChangeAspect="1"/>
-          </p:cNvPicPr>
-          <p:nvPr/>
-        </p:nvPicPr>
-        <p:blipFill>
-          <a:blip r:embed="rId5"/>
-          <a:stretch>
-            <a:fillRect/>
-          </a:stretch>
-        </p:blipFill>
-        <p:spPr>
-          <a:xfrm>
-            <a:off x="641891" y="4030411"/>
-            <a:ext cx="200025" cy="152400"/>
-          </a:xfrm>
-          <a:prstGeom prst="rect">
-            <a:avLst/>
-          </a:prstGeom>
-        </p:spPr>
-      </p:pic>
       <p:sp>
         <p:nvSpPr>
           <p:cNvPr id="11" name="TextBox 10"/>
@@ -4452,7 +4722,7 @@
                 <a:latin typeface="Times New Roman" panose="02020603050405020304" pitchFamily="18" charset="0"/>
                 <a:cs typeface="Times New Roman" panose="02020603050405020304" pitchFamily="18" charset="0"/>
               </a:rPr>
-              <a:t>Cluster 2: Districts with low number to no existence of coffee houses</a:t>
+              <a:t>Cluster 2: Districts with low number to no existence of Spas</a:t>
             </a:r>
             <a:endParaRPr lang="en-US" b="1" dirty="0">
               <a:latin typeface="Times New Roman" panose="02020603050405020304" pitchFamily="18" charset="0"/>
@@ -4488,7 +4758,11 @@
                 <a:latin typeface="Times New Roman" panose="02020603050405020304" pitchFamily="18" charset="0"/>
                 <a:cs typeface="Times New Roman" panose="02020603050405020304" pitchFamily="18" charset="0"/>
               </a:rPr>
-              <a:t>Cluster 1: Districts with high number coffee houses</a:t>
+              <a:t>Cluster 1: </a:t>
+            </a:r>
+            <a:r>
+              <a:rPr lang="en-US" dirty="0"/>
+              <a:t>District with low number to no existence of Spa</a:t>
             </a:r>
             <a:endParaRPr lang="en-US" b="1" dirty="0">
               <a:latin typeface="Times New Roman" panose="02020603050405020304" pitchFamily="18" charset="0"/>
@@ -4524,7 +4798,11 @@
                 <a:latin typeface="Times New Roman" panose="02020603050405020304" pitchFamily="18" charset="0"/>
                 <a:cs typeface="Times New Roman" panose="02020603050405020304" pitchFamily="18" charset="0"/>
               </a:rPr>
-              <a:t>Cluster 0: Districts with moderate number of coffee houses</a:t>
+              <a:t>Cluster 0: </a:t>
+            </a:r>
+            <a:r>
+              <a:rPr lang="en-US" dirty="0"/>
+              <a:t>District with moderate number of Spa</a:t>
             </a:r>
             <a:endParaRPr lang="en-US" b="1" dirty="0">
               <a:latin typeface="Times New Roman" panose="02020603050405020304" pitchFamily="18" charset="0"/>
@@ -4533,6 +4811,198 @@
           </a:p>
         </p:txBody>
       </p:sp>
+      <p:pic>
+        <p:nvPicPr>
+          <p:cNvPr id="1026" name="Picture 2"/>
+          <p:cNvPicPr>
+            <a:picLocks noChangeAspect="1" noChangeArrowheads="1"/>
+          </p:cNvPicPr>
+          <p:nvPr/>
+        </p:nvPicPr>
+        <p:blipFill>
+          <a:blip r:embed="rId2">
+            <a:extLst>
+              <a:ext uri="{28A0092B-C50C-407E-A947-70E740481C1C}">
+                <a14:useLocalDpi xmlns:a14="http://schemas.microsoft.com/office/drawing/2010/main" val="0"/>
+              </a:ext>
+            </a:extLst>
+          </a:blip>
+          <a:srcRect/>
+          <a:stretch>
+            <a:fillRect/>
+          </a:stretch>
+        </p:blipFill>
+        <p:spPr bwMode="auto">
+          <a:xfrm>
+            <a:off x="782213" y="2584263"/>
+            <a:ext cx="219075" cy="228600"/>
+          </a:xfrm>
+          <a:prstGeom prst="rect">
+            <a:avLst/>
+          </a:prstGeom>
+          <a:noFill/>
+          <a:ln>
+            <a:noFill/>
+          </a:ln>
+          <a:extLst>
+            <a:ext uri="{909E8E84-426E-40DD-AFC4-6F175D3DCCD1}">
+              <a14:hiddenFill xmlns:a14="http://schemas.microsoft.com/office/drawing/2010/main">
+                <a:solidFill>
+                  <a:schemeClr val="accent1"/>
+                </a:solidFill>
+              </a14:hiddenFill>
+            </a:ext>
+            <a:ext uri="{91240B29-F687-4F45-9708-019B960494DF}">
+              <a14:hiddenLine xmlns:a14="http://schemas.microsoft.com/office/drawing/2010/main" w="9525">
+                <a:solidFill>
+                  <a:schemeClr val="tx1"/>
+                </a:solidFill>
+                <a:miter lim="800000"/>
+                <a:headEnd/>
+                <a:tailEnd/>
+              </a14:hiddenLine>
+            </a:ext>
+          </a:extLst>
+        </p:spPr>
+      </p:pic>
+      <p:pic>
+        <p:nvPicPr>
+          <p:cNvPr id="1027" name="Picture 3"/>
+          <p:cNvPicPr>
+            <a:picLocks noChangeAspect="1" noChangeArrowheads="1"/>
+          </p:cNvPicPr>
+          <p:nvPr/>
+        </p:nvPicPr>
+        <p:blipFill>
+          <a:blip r:embed="rId3">
+            <a:extLst>
+              <a:ext uri="{28A0092B-C50C-407E-A947-70E740481C1C}">
+                <a14:useLocalDpi xmlns:a14="http://schemas.microsoft.com/office/drawing/2010/main" val="0"/>
+              </a:ext>
+            </a:extLst>
+          </a:blip>
+          <a:srcRect/>
+          <a:stretch>
+            <a:fillRect/>
+          </a:stretch>
+        </p:blipFill>
+        <p:spPr bwMode="auto">
+          <a:xfrm>
+            <a:off x="755485" y="3385902"/>
+            <a:ext cx="247650" cy="257175"/>
+          </a:xfrm>
+          <a:prstGeom prst="rect">
+            <a:avLst/>
+          </a:prstGeom>
+          <a:noFill/>
+          <a:ln>
+            <a:noFill/>
+          </a:ln>
+          <a:extLst>
+            <a:ext uri="{909E8E84-426E-40DD-AFC4-6F175D3DCCD1}">
+              <a14:hiddenFill xmlns:a14="http://schemas.microsoft.com/office/drawing/2010/main">
+                <a:solidFill>
+                  <a:schemeClr val="accent1"/>
+                </a:solidFill>
+              </a14:hiddenFill>
+            </a:ext>
+            <a:ext uri="{91240B29-F687-4F45-9708-019B960494DF}">
+              <a14:hiddenLine xmlns:a14="http://schemas.microsoft.com/office/drawing/2010/main" w="9525">
+                <a:solidFill>
+                  <a:schemeClr val="tx1"/>
+                </a:solidFill>
+                <a:miter lim="800000"/>
+                <a:headEnd/>
+                <a:tailEnd/>
+              </a14:hiddenLine>
+            </a:ext>
+          </a:extLst>
+        </p:spPr>
+      </p:pic>
+      <p:pic>
+        <p:nvPicPr>
+          <p:cNvPr id="1028" name="Picture 4"/>
+          <p:cNvPicPr>
+            <a:picLocks noChangeAspect="1" noChangeArrowheads="1"/>
+          </p:cNvPicPr>
+          <p:nvPr/>
+        </p:nvPicPr>
+        <p:blipFill>
+          <a:blip r:embed="rId4">
+            <a:extLst>
+              <a:ext uri="{28A0092B-C50C-407E-A947-70E740481C1C}">
+                <a14:useLocalDpi xmlns:a14="http://schemas.microsoft.com/office/drawing/2010/main" val="0"/>
+              </a:ext>
+            </a:extLst>
+          </a:blip>
+          <a:srcRect/>
+          <a:stretch>
+            <a:fillRect/>
+          </a:stretch>
+        </p:blipFill>
+        <p:spPr bwMode="auto">
+          <a:xfrm>
+            <a:off x="767925" y="4145097"/>
+            <a:ext cx="247650" cy="200025"/>
+          </a:xfrm>
+          <a:prstGeom prst="rect">
+            <a:avLst/>
+          </a:prstGeom>
+          <a:noFill/>
+          <a:ln>
+            <a:noFill/>
+          </a:ln>
+          <a:extLst>
+            <a:ext uri="{909E8E84-426E-40DD-AFC4-6F175D3DCCD1}">
+              <a14:hiddenFill xmlns:a14="http://schemas.microsoft.com/office/drawing/2010/main">
+                <a:solidFill>
+                  <a:schemeClr val="accent1"/>
+                </a:solidFill>
+              </a14:hiddenFill>
+            </a:ext>
+            <a:ext uri="{91240B29-F687-4F45-9708-019B960494DF}">
+              <a14:hiddenLine xmlns:a14="http://schemas.microsoft.com/office/drawing/2010/main" w="9525">
+                <a:solidFill>
+                  <a:schemeClr val="tx1"/>
+                </a:solidFill>
+                <a:miter lim="800000"/>
+                <a:headEnd/>
+                <a:tailEnd/>
+              </a14:hiddenLine>
+            </a:ext>
+          </a:extLst>
+        </p:spPr>
+      </p:pic>
+      <p:pic>
+        <p:nvPicPr>
+          <p:cNvPr id="3" name="Picture 2"/>
+          <p:cNvPicPr>
+            <a:picLocks noChangeAspect="1"/>
+          </p:cNvPicPr>
+          <p:nvPr/>
+        </p:nvPicPr>
+        <p:blipFill>
+          <a:blip r:embed="rId5">
+            <a:extLst>
+              <a:ext uri="{28A0092B-C50C-407E-A947-70E740481C1C}">
+                <a14:useLocalDpi xmlns:a14="http://schemas.microsoft.com/office/drawing/2010/main" val="0"/>
+              </a:ext>
+            </a:extLst>
+          </a:blip>
+          <a:stretch>
+            <a:fillRect/>
+          </a:stretch>
+        </p:blipFill>
+        <p:spPr>
+          <a:xfrm>
+            <a:off x="5624766" y="1568439"/>
+            <a:ext cx="5935657" cy="4149276"/>
+          </a:xfrm>
+          <a:prstGeom prst="rect">
+            <a:avLst/>
+          </a:prstGeom>
+        </p:spPr>
+      </p:pic>
     </p:spTree>
     <p:extLst>
       <p:ext uri="{BB962C8B-B14F-4D97-AF65-F5344CB8AC3E}">
@@ -4563,190 +5033,76 @@
           <a:chExt cx="0" cy="0"/>
         </a:xfrm>
       </p:grpSpPr>
-      <p:sp>
-        <p:nvSpPr>
-          <p:cNvPr id="2" name="Rectangle 1">
-            <a:extLst>
-              <a:ext uri="{FF2B5EF4-FFF2-40B4-BE49-F238E27FC236}">
-                <a16:creationId xmlns:a16="http://schemas.microsoft.com/office/drawing/2014/main" id="{45BF668B-514A-A548-B683-05190E09963B}"/>
-              </a:ext>
-            </a:extLst>
-          </p:cNvPr>
-          <p:cNvSpPr/>
-          <p:nvPr/>
-        </p:nvSpPr>
-        <p:spPr>
+      <p:pic>
+        <p:nvPicPr>
+          <p:cNvPr id="2050" name="Picture 2"/>
+          <p:cNvPicPr>
+            <a:picLocks noGrp="1" noChangeAspect="1" noChangeArrowheads="1"/>
+          </p:cNvPicPr>
+          <p:nvPr>
+            <p:ph idx="1"/>
+          </p:nvPr>
+        </p:nvPicPr>
+        <p:blipFill>
+          <a:blip r:embed="rId2">
+            <a:extLst>
+              <a:ext uri="{28A0092B-C50C-407E-A947-70E740481C1C}">
+                <a14:useLocalDpi xmlns:a14="http://schemas.microsoft.com/office/drawing/2010/main" val="0"/>
+              </a:ext>
+            </a:extLst>
+          </a:blip>
+          <a:srcRect/>
+          <a:stretch>
+            <a:fillRect/>
+          </a:stretch>
+        </p:blipFill>
+        <p:spPr bwMode="auto">
           <a:xfrm>
-            <a:off x="258751" y="254583"/>
-            <a:ext cx="3193503" cy="923330"/>
+            <a:off x="1217254" y="1062726"/>
+            <a:ext cx="9259785" cy="3269093"/>
           </a:xfrm>
           <a:prstGeom prst="rect">
             <a:avLst/>
           </a:prstGeom>
           <a:noFill/>
-        </p:spPr>
-        <p:txBody>
-          <a:bodyPr wrap="none" lIns="91440" tIns="45720" rIns="91440" bIns="45720">
-            <a:spAutoFit/>
-          </a:bodyPr>
-          <a:lstStyle/>
-          <a:p>
-            <a:pPr algn="ctr"/>
-            <a:r>
-              <a:rPr lang="en-US" sz="5400" b="1" cap="none" spc="0" dirty="0" smtClean="0">
-                <a:ln w="0"/>
+          <a:ln>
+            <a:noFill/>
+          </a:ln>
+          <a:effectLst/>
+          <a:extLst>
+            <a:ext uri="{909E8E84-426E-40DD-AFC4-6F175D3DCCD1}">
+              <a14:hiddenFill xmlns:a14="http://schemas.microsoft.com/office/drawing/2010/main">
                 <a:solidFill>
                   <a:schemeClr val="accent1"/>
                 </a:solidFill>
+              </a14:hiddenFill>
+            </a:ext>
+            <a:ext uri="{91240B29-F687-4F45-9708-019B960494DF}">
+              <a14:hiddenLine xmlns:a14="http://schemas.microsoft.com/office/drawing/2010/main" w="9525">
+                <a:solidFill>
+                  <a:schemeClr val="tx1"/>
+                </a:solidFill>
+                <a:miter lim="800000"/>
+                <a:headEnd/>
+                <a:tailEnd/>
+              </a14:hiddenLine>
+            </a:ext>
+            <a:ext uri="{AF507438-7753-43E0-B8FC-AC1667EBCBE1}">
+              <a14:hiddenEffects xmlns:a14="http://schemas.microsoft.com/office/drawing/2010/main">
                 <a:effectLst>
-                  <a:outerShdw blurRad="38100" dist="25400" dir="5400000" algn="ctr" rotWithShape="0">
-                    <a:srgbClr val="6E747A">
-                      <a:alpha val="43000"/>
-                    </a:srgbClr>
+                  <a:outerShdw dist="35921" dir="2700000" algn="ctr" rotWithShape="0">
+                    <a:schemeClr val="bg2"/>
                   </a:outerShdw>
                 </a:effectLst>
-              </a:rPr>
-              <a:t>Discussion</a:t>
-            </a:r>
-            <a:endParaRPr lang="en-US" sz="5400" b="1" cap="none" spc="0" dirty="0">
-              <a:ln w="0"/>
-              <a:solidFill>
-                <a:schemeClr val="accent1"/>
-              </a:solidFill>
-              <a:effectLst>
-                <a:outerShdw blurRad="38100" dist="25400" dir="5400000" algn="ctr" rotWithShape="0">
-                  <a:srgbClr val="6E747A">
-                    <a:alpha val="43000"/>
-                  </a:srgbClr>
-                </a:outerShdw>
-              </a:effectLst>
-            </a:endParaRPr>
-          </a:p>
-        </p:txBody>
-      </p:sp>
-      <p:sp>
-        <p:nvSpPr>
-          <p:cNvPr id="3" name="Rectangle 2"/>
-          <p:cNvSpPr/>
-          <p:nvPr/>
-        </p:nvSpPr>
-        <p:spPr>
-          <a:xfrm>
-            <a:off x="683940" y="1363340"/>
-            <a:ext cx="10768362" cy="2400657"/>
-          </a:xfrm>
-          <a:prstGeom prst="rect">
-            <a:avLst/>
-          </a:prstGeom>
+              </a14:hiddenEffects>
+            </a:ext>
+          </a:extLst>
         </p:spPr>
-        <p:txBody>
-          <a:bodyPr wrap="square">
-            <a:spAutoFit/>
-          </a:bodyPr>
-          <a:lstStyle/>
-          <a:p>
-            <a:pPr marL="457200" indent="-457200" algn="just">
-              <a:buFont typeface="Arial" panose="020B0604020202020204" pitchFamily="34" charset="0"/>
-              <a:buChar char="•"/>
-            </a:pPr>
-            <a:r>
-              <a:rPr lang="en-US" sz="3000" dirty="0" smtClean="0">
-                <a:latin typeface="Times New Roman" panose="02020603050405020304" pitchFamily="18" charset="0"/>
-                <a:ea typeface="Tahoma" panose="020B0604030504040204" pitchFamily="34" charset="0"/>
-                <a:cs typeface="Times New Roman" panose="02020603050405020304" pitchFamily="18" charset="0"/>
-              </a:rPr>
-              <a:t>Most </a:t>
-            </a:r>
-            <a:r>
-              <a:rPr lang="en-US" sz="3000" dirty="0">
-                <a:latin typeface="Times New Roman" panose="02020603050405020304" pitchFamily="18" charset="0"/>
-                <a:ea typeface="Tahoma" panose="020B0604030504040204" pitchFamily="34" charset="0"/>
-                <a:cs typeface="Times New Roman" panose="02020603050405020304" pitchFamily="18" charset="0"/>
-              </a:rPr>
-              <a:t>of the coffee </a:t>
-            </a:r>
-            <a:r>
-              <a:rPr lang="en-US" sz="3000" dirty="0" smtClean="0">
-                <a:latin typeface="Times New Roman" panose="02020603050405020304" pitchFamily="18" charset="0"/>
-                <a:ea typeface="Tahoma" panose="020B0604030504040204" pitchFamily="34" charset="0"/>
-                <a:cs typeface="Times New Roman" panose="02020603050405020304" pitchFamily="18" charset="0"/>
-              </a:rPr>
-              <a:t>houses </a:t>
-            </a:r>
-            <a:r>
-              <a:rPr lang="en-US" sz="3000" dirty="0">
-                <a:latin typeface="Times New Roman" panose="02020603050405020304" pitchFamily="18" charset="0"/>
-                <a:ea typeface="Tahoma" panose="020B0604030504040204" pitchFamily="34" charset="0"/>
-                <a:cs typeface="Times New Roman" panose="02020603050405020304" pitchFamily="18" charset="0"/>
-              </a:rPr>
-              <a:t>are in the </a:t>
-            </a:r>
-            <a:r>
-              <a:rPr lang="en-US" sz="3000" dirty="0" smtClean="0">
-                <a:latin typeface="Times New Roman" panose="02020603050405020304" pitchFamily="18" charset="0"/>
-                <a:ea typeface="Tahoma" panose="020B0604030504040204" pitchFamily="34" charset="0"/>
-                <a:cs typeface="Times New Roman" panose="02020603050405020304" pitchFamily="18" charset="0"/>
-              </a:rPr>
-              <a:t>districts </a:t>
-            </a:r>
-            <a:r>
-              <a:rPr lang="en-US" sz="3000" dirty="0">
-                <a:latin typeface="Times New Roman" panose="02020603050405020304" pitchFamily="18" charset="0"/>
-                <a:ea typeface="Tahoma" panose="020B0604030504040204" pitchFamily="34" charset="0"/>
-                <a:cs typeface="Times New Roman" panose="02020603050405020304" pitchFamily="18" charset="0"/>
-              </a:rPr>
-              <a:t>that not located in center of Hanoi. </a:t>
-            </a:r>
-            <a:endParaRPr lang="en-US" sz="3000" dirty="0" smtClean="0">
-              <a:latin typeface="Times New Roman" panose="02020603050405020304" pitchFamily="18" charset="0"/>
-              <a:ea typeface="Tahoma" panose="020B0604030504040204" pitchFamily="34" charset="0"/>
-              <a:cs typeface="Times New Roman" panose="02020603050405020304" pitchFamily="18" charset="0"/>
-            </a:endParaRPr>
-          </a:p>
-          <a:p>
-            <a:pPr marL="457200" indent="-457200" algn="just">
-              <a:buFont typeface="Arial" panose="020B0604020202020204" pitchFamily="34" charset="0"/>
-              <a:buChar char="•"/>
-            </a:pPr>
-            <a:r>
-              <a:rPr lang="en-US" sz="3000" dirty="0" smtClean="0">
-                <a:latin typeface="Times New Roman" panose="02020603050405020304" pitchFamily="18" charset="0"/>
-                <a:ea typeface="Tahoma" panose="020B0604030504040204" pitchFamily="34" charset="0"/>
-                <a:cs typeface="Times New Roman" panose="02020603050405020304" pitchFamily="18" charset="0"/>
-              </a:rPr>
-              <a:t>Because </a:t>
-            </a:r>
-            <a:r>
-              <a:rPr lang="en-US" sz="3000" dirty="0">
-                <a:latin typeface="Times New Roman" panose="02020603050405020304" pitchFamily="18" charset="0"/>
-                <a:ea typeface="Tahoma" panose="020B0604030504040204" pitchFamily="34" charset="0"/>
-                <a:cs typeface="Times New Roman" panose="02020603050405020304" pitchFamily="18" charset="0"/>
-              </a:rPr>
-              <a:t>of the rent price of properties in center Hanoi is very high so that </a:t>
-            </a:r>
-            <a:r>
-              <a:rPr lang="en-US" sz="3000" dirty="0" smtClean="0">
-                <a:latin typeface="Times New Roman" panose="02020603050405020304" pitchFamily="18" charset="0"/>
-                <a:ea typeface="Tahoma" panose="020B0604030504040204" pitchFamily="34" charset="0"/>
-                <a:cs typeface="Times New Roman" panose="02020603050405020304" pitchFamily="18" charset="0"/>
-              </a:rPr>
-              <a:t>investors </a:t>
-            </a:r>
-            <a:r>
-              <a:rPr lang="en-US" sz="3000" dirty="0">
-                <a:latin typeface="Times New Roman" panose="02020603050405020304" pitchFamily="18" charset="0"/>
-                <a:ea typeface="Tahoma" panose="020B0604030504040204" pitchFamily="34" charset="0"/>
-                <a:cs typeface="Times New Roman" panose="02020603050405020304" pitchFamily="18" charset="0"/>
-              </a:rPr>
-              <a:t>did not invest in coffee house in the center of Ha Noi.</a:t>
-            </a:r>
-          </a:p>
-        </p:txBody>
-      </p:sp>
+      </p:pic>
     </p:spTree>
     <p:extLst>
       <p:ext uri="{BB962C8B-B14F-4D97-AF65-F5344CB8AC3E}">
-        <p14:creationId xmlns:p14="http://schemas.microsoft.com/office/powerpoint/2010/main" val="2220399800"/>
+        <p14:creationId xmlns:p14="http://schemas.microsoft.com/office/powerpoint/2010/main" val="2399781256"/>
       </p:ext>
     </p:extLst>
   </p:cSld>
@@ -4775,10 +5131,685 @@
       </p:grpSpPr>
       <p:sp>
         <p:nvSpPr>
-          <p:cNvPr id="4" name="Rectangle 3">
-            <a:extLst>
-              <a:ext uri="{FF2B5EF4-FFF2-40B4-BE49-F238E27FC236}">
-                <a16:creationId xmlns:a16="http://schemas.microsoft.com/office/drawing/2014/main" id="{0C292D42-FF4F-7346-A958-8213F67A6373}"/>
+          <p:cNvPr id="3" name="Rectangle 2"/>
+          <p:cNvSpPr>
+            <a:spLocks noChangeArrowheads="1"/>
+          </p:cNvSpPr>
+          <p:nvPr/>
+        </p:nvSpPr>
+        <p:spPr bwMode="auto">
+          <a:xfrm>
+            <a:off x="991518" y="1052111"/>
+            <a:ext cx="12192000" cy="457200"/>
+          </a:xfrm>
+          <a:prstGeom prst="rect">
+            <a:avLst/>
+          </a:prstGeom>
+          <a:noFill/>
+          <a:ln>
+            <a:noFill/>
+          </a:ln>
+          <a:effectLst/>
+          <a:extLst>
+            <a:ext uri="{909E8E84-426E-40DD-AFC4-6F175D3DCCD1}">
+              <a14:hiddenFill xmlns:a14="http://schemas.microsoft.com/office/drawing/2010/main">
+                <a:solidFill>
+                  <a:schemeClr val="accent1"/>
+                </a:solidFill>
+              </a14:hiddenFill>
+            </a:ext>
+            <a:ext uri="{91240B29-F687-4F45-9708-019B960494DF}">
+              <a14:hiddenLine xmlns:a14="http://schemas.microsoft.com/office/drawing/2010/main" w="9525">
+                <a:solidFill>
+                  <a:schemeClr val="tx1"/>
+                </a:solidFill>
+                <a:miter lim="800000"/>
+                <a:headEnd/>
+                <a:tailEnd/>
+              </a14:hiddenLine>
+            </a:ext>
+            <a:ext uri="{AF507438-7753-43E0-B8FC-AC1667EBCBE1}">
+              <a14:hiddenEffects xmlns:a14="http://schemas.microsoft.com/office/drawing/2010/main">
+                <a:effectLst>
+                  <a:outerShdw dist="35921" dir="2700000" algn="ctr" rotWithShape="0">
+                    <a:schemeClr val="bg2"/>
+                  </a:outerShdw>
+                </a:effectLst>
+              </a14:hiddenEffects>
+            </a:ext>
+          </a:extLst>
+        </p:spPr>
+        <p:txBody>
+          <a:bodyPr vert="horz" wrap="none" lIns="91440" tIns="45720" rIns="91440" bIns="45720" numCol="1" anchor="ctr" anchorCtr="0" compatLnSpc="1">
+            <a:prstTxWarp prst="textNoShape">
+              <a:avLst/>
+            </a:prstTxWarp>
+            <a:spAutoFit/>
+          </a:bodyPr>
+          <a:lstStyle/>
+          <a:p>
+            <a:pPr marL="0" marR="0" lvl="0" indent="0" algn="l" defTabSz="914400" rtl="0" eaLnBrk="1" fontAlgn="base" latinLnBrk="0" hangingPunct="1">
+              <a:lnSpc>
+                <a:spcPct val="100000"/>
+              </a:lnSpc>
+              <a:spcBef>
+                <a:spcPct val="0"/>
+              </a:spcBef>
+              <a:spcAft>
+                <a:spcPct val="0"/>
+              </a:spcAft>
+              <a:buClrTx/>
+              <a:buSzTx/>
+              <a:buFontTx/>
+              <a:buNone/>
+              <a:tabLst/>
+            </a:pPr>
+            <a:r>
+              <a:rPr kumimoji="0" lang="en-US" altLang="en-US" sz="1400" b="0" i="0" u="none" strike="noStrike" cap="none" normalizeH="0" baseline="0" dirty="0" smtClean="0">
+                <a:ln>
+                  <a:noFill/>
+                </a:ln>
+                <a:solidFill>
+                  <a:schemeClr val="tx1"/>
+                </a:solidFill>
+                <a:effectLst/>
+                <a:latin typeface="Times New Roman" pitchFamily="18" charset="0"/>
+                <a:ea typeface="Calibri" pitchFamily="34" charset="0"/>
+                <a:cs typeface="Times New Roman" pitchFamily="18" charset="0"/>
+              </a:rPr>
+              <a:t>Cluster 1: District with low number to no existence of Spas</a:t>
+            </a:r>
+            <a:endParaRPr kumimoji="0" lang="en-US" altLang="en-US" sz="1200" b="0" i="0" u="none" strike="noStrike" cap="none" normalizeH="0" baseline="0" dirty="0" smtClean="0">
+              <a:ln>
+                <a:noFill/>
+              </a:ln>
+              <a:solidFill>
+                <a:schemeClr val="tx1"/>
+              </a:solidFill>
+              <a:effectLst/>
+              <a:latin typeface="Arial" pitchFamily="34" charset="0"/>
+              <a:cs typeface="Arial" pitchFamily="34" charset="0"/>
+            </a:endParaRPr>
+          </a:p>
+          <a:p>
+            <a:pPr marL="0" marR="0" lvl="0" indent="0" algn="l" defTabSz="914400" rtl="0" eaLnBrk="0" fontAlgn="base" latinLnBrk="0" hangingPunct="0">
+              <a:lnSpc>
+                <a:spcPct val="100000"/>
+              </a:lnSpc>
+              <a:spcBef>
+                <a:spcPct val="0"/>
+              </a:spcBef>
+              <a:spcAft>
+                <a:spcPct val="0"/>
+              </a:spcAft>
+              <a:buClrTx/>
+              <a:buSzTx/>
+              <a:buFontTx/>
+              <a:buNone/>
+              <a:tabLst/>
+            </a:pPr>
+            <a:endParaRPr kumimoji="0" lang="en-US" altLang="en-US" sz="1800" b="0" i="0" u="none" strike="noStrike" cap="none" normalizeH="0" baseline="0" dirty="0" smtClean="0">
+              <a:ln>
+                <a:noFill/>
+              </a:ln>
+              <a:solidFill>
+                <a:schemeClr val="tx1"/>
+              </a:solidFill>
+              <a:effectLst/>
+              <a:latin typeface="Arial" pitchFamily="34" charset="0"/>
+              <a:cs typeface="Arial" pitchFamily="34" charset="0"/>
+            </a:endParaRPr>
+          </a:p>
+        </p:txBody>
+      </p:sp>
+      <p:pic>
+        <p:nvPicPr>
+          <p:cNvPr id="3073" name="Picture 6"/>
+          <p:cNvPicPr>
+            <a:picLocks noChangeAspect="1" noChangeArrowheads="1"/>
+          </p:cNvPicPr>
+          <p:nvPr/>
+        </p:nvPicPr>
+        <p:blipFill>
+          <a:blip r:embed="rId2">
+            <a:extLst>
+              <a:ext uri="{28A0092B-C50C-407E-A947-70E740481C1C}">
+                <a14:useLocalDpi xmlns:a14="http://schemas.microsoft.com/office/drawing/2010/main" val="0"/>
+              </a:ext>
+            </a:extLst>
+          </a:blip>
+          <a:srcRect/>
+          <a:stretch>
+            <a:fillRect/>
+          </a:stretch>
+        </p:blipFill>
+        <p:spPr bwMode="auto">
+          <a:xfrm>
+            <a:off x="1533525" y="1525835"/>
+            <a:ext cx="9179342" cy="3641075"/>
+          </a:xfrm>
+          <a:prstGeom prst="rect">
+            <a:avLst/>
+          </a:prstGeom>
+          <a:noFill/>
+          <a:extLst>
+            <a:ext uri="{909E8E84-426E-40DD-AFC4-6F175D3DCCD1}">
+              <a14:hiddenFill xmlns:a14="http://schemas.microsoft.com/office/drawing/2010/main">
+                <a:solidFill>
+                  <a:srgbClr val="FFFFFF"/>
+                </a:solidFill>
+              </a14:hiddenFill>
+            </a:ext>
+          </a:extLst>
+        </p:spPr>
+      </p:pic>
+      <p:sp>
+        <p:nvSpPr>
+          <p:cNvPr id="4" name="Rectangle 3"/>
+          <p:cNvSpPr>
+            <a:spLocks noChangeArrowheads="1"/>
+          </p:cNvSpPr>
+          <p:nvPr/>
+        </p:nvSpPr>
+        <p:spPr bwMode="auto">
+          <a:xfrm>
+            <a:off x="228600" y="2266950"/>
+            <a:ext cx="12192000" cy="0"/>
+          </a:xfrm>
+          <a:prstGeom prst="rect">
+            <a:avLst/>
+          </a:prstGeom>
+          <a:noFill/>
+          <a:ln>
+            <a:noFill/>
+          </a:ln>
+          <a:effectLst/>
+          <a:extLst>
+            <a:ext uri="{909E8E84-426E-40DD-AFC4-6F175D3DCCD1}">
+              <a14:hiddenFill xmlns:a14="http://schemas.microsoft.com/office/drawing/2010/main">
+                <a:solidFill>
+                  <a:schemeClr val="accent1"/>
+                </a:solidFill>
+              </a14:hiddenFill>
+            </a:ext>
+            <a:ext uri="{91240B29-F687-4F45-9708-019B960494DF}">
+              <a14:hiddenLine xmlns:a14="http://schemas.microsoft.com/office/drawing/2010/main" w="9525">
+                <a:solidFill>
+                  <a:schemeClr val="tx1"/>
+                </a:solidFill>
+                <a:miter lim="800000"/>
+                <a:headEnd/>
+                <a:tailEnd/>
+              </a14:hiddenLine>
+            </a:ext>
+            <a:ext uri="{AF507438-7753-43E0-B8FC-AC1667EBCBE1}">
+              <a14:hiddenEffects xmlns:a14="http://schemas.microsoft.com/office/drawing/2010/main">
+                <a:effectLst>
+                  <a:outerShdw dist="35921" dir="2700000" algn="ctr" rotWithShape="0">
+                    <a:schemeClr val="bg2"/>
+                  </a:outerShdw>
+                </a:effectLst>
+              </a14:hiddenEffects>
+            </a:ext>
+          </a:extLst>
+        </p:spPr>
+        <p:txBody>
+          <a:bodyPr vert="horz" wrap="none" lIns="91440" tIns="45720" rIns="91440" bIns="45720" numCol="1" anchor="ctr" anchorCtr="0" compatLnSpc="1">
+            <a:prstTxWarp prst="textNoShape">
+              <a:avLst/>
+            </a:prstTxWarp>
+            <a:spAutoFit/>
+          </a:bodyPr>
+          <a:lstStyle/>
+          <a:p>
+            <a:pPr marL="0" marR="0" lvl="0" indent="0" algn="l" defTabSz="914400" rtl="0" eaLnBrk="1" fontAlgn="base" latinLnBrk="0" hangingPunct="1">
+              <a:lnSpc>
+                <a:spcPct val="100000"/>
+              </a:lnSpc>
+              <a:spcBef>
+                <a:spcPct val="0"/>
+              </a:spcBef>
+              <a:spcAft>
+                <a:spcPct val="0"/>
+              </a:spcAft>
+              <a:buClrTx/>
+              <a:buSzTx/>
+              <a:buFontTx/>
+              <a:buNone/>
+              <a:tabLst/>
+            </a:pPr>
+            <a:endParaRPr kumimoji="0" lang="en-US" altLang="en-US" sz="1800" b="0" i="0" u="none" strike="noStrike" cap="none" normalizeH="0" baseline="0" smtClean="0">
+              <a:ln>
+                <a:noFill/>
+              </a:ln>
+              <a:solidFill>
+                <a:schemeClr val="tx1"/>
+              </a:solidFill>
+              <a:effectLst/>
+              <a:latin typeface="Arial" pitchFamily="34" charset="0"/>
+              <a:cs typeface="Arial" pitchFamily="34" charset="0"/>
+            </a:endParaRPr>
+          </a:p>
+        </p:txBody>
+      </p:sp>
+    </p:spTree>
+    <p:extLst>
+      <p:ext uri="{BB962C8B-B14F-4D97-AF65-F5344CB8AC3E}">
+        <p14:creationId xmlns:p14="http://schemas.microsoft.com/office/powerpoint/2010/main" val="4286659690"/>
+      </p:ext>
+    </p:extLst>
+  </p:cSld>
+  <p:clrMapOvr>
+    <a:masterClrMapping/>
+  </p:clrMapOvr>
+</p:sld>
+</file>
+
+<file path=ppt/slides/slide8.xml><?xml version="1.0" encoding="utf-8"?>
+<p:sld xmlns:a="http://schemas.openxmlformats.org/drawingml/2006/main" xmlns:r="http://schemas.openxmlformats.org/officeDocument/2006/relationships" xmlns:p="http://schemas.openxmlformats.org/presentationml/2006/main">
+  <p:cSld>
+    <p:spTree>
+      <p:nvGrpSpPr>
+        <p:cNvPr id="1" name=""/>
+        <p:cNvGrpSpPr/>
+        <p:nvPr/>
+      </p:nvGrpSpPr>
+      <p:grpSpPr>
+        <a:xfrm>
+          <a:off x="0" y="0"/>
+          <a:ext cx="0" cy="0"/>
+          <a:chOff x="0" y="0"/>
+          <a:chExt cx="0" cy="0"/>
+        </a:xfrm>
+      </p:grpSpPr>
+      <p:sp>
+        <p:nvSpPr>
+          <p:cNvPr id="4" name="Rectangle 3"/>
+          <p:cNvSpPr>
+            <a:spLocks noChangeArrowheads="1"/>
+          </p:cNvSpPr>
+          <p:nvPr/>
+        </p:nvSpPr>
+        <p:spPr bwMode="auto">
+          <a:xfrm>
+            <a:off x="228600" y="2266950"/>
+            <a:ext cx="12192000" cy="0"/>
+          </a:xfrm>
+          <a:prstGeom prst="rect">
+            <a:avLst/>
+          </a:prstGeom>
+          <a:noFill/>
+          <a:ln>
+            <a:noFill/>
+          </a:ln>
+          <a:effectLst/>
+          <a:extLst>
+            <a:ext uri="{909E8E84-426E-40DD-AFC4-6F175D3DCCD1}">
+              <a14:hiddenFill xmlns:a14="http://schemas.microsoft.com/office/drawing/2010/main">
+                <a:solidFill>
+                  <a:schemeClr val="accent1"/>
+                </a:solidFill>
+              </a14:hiddenFill>
+            </a:ext>
+            <a:ext uri="{91240B29-F687-4F45-9708-019B960494DF}">
+              <a14:hiddenLine xmlns:a14="http://schemas.microsoft.com/office/drawing/2010/main" w="9525">
+                <a:solidFill>
+                  <a:schemeClr val="tx1"/>
+                </a:solidFill>
+                <a:miter lim="800000"/>
+                <a:headEnd/>
+                <a:tailEnd/>
+              </a14:hiddenLine>
+            </a:ext>
+            <a:ext uri="{AF507438-7753-43E0-B8FC-AC1667EBCBE1}">
+              <a14:hiddenEffects xmlns:a14="http://schemas.microsoft.com/office/drawing/2010/main">
+                <a:effectLst>
+                  <a:outerShdw dist="35921" dir="2700000" algn="ctr" rotWithShape="0">
+                    <a:schemeClr val="bg2"/>
+                  </a:outerShdw>
+                </a:effectLst>
+              </a14:hiddenEffects>
+            </a:ext>
+          </a:extLst>
+        </p:spPr>
+        <p:txBody>
+          <a:bodyPr vert="horz" wrap="none" lIns="91440" tIns="45720" rIns="91440" bIns="45720" numCol="1" anchor="ctr" anchorCtr="0" compatLnSpc="1">
+            <a:prstTxWarp prst="textNoShape">
+              <a:avLst/>
+            </a:prstTxWarp>
+            <a:spAutoFit/>
+          </a:bodyPr>
+          <a:lstStyle/>
+          <a:p>
+            <a:pPr marL="0" marR="0" lvl="0" indent="0" algn="l" defTabSz="914400" rtl="0" eaLnBrk="1" fontAlgn="base" latinLnBrk="0" hangingPunct="1">
+              <a:lnSpc>
+                <a:spcPct val="100000"/>
+              </a:lnSpc>
+              <a:spcBef>
+                <a:spcPct val="0"/>
+              </a:spcBef>
+              <a:spcAft>
+                <a:spcPct val="0"/>
+              </a:spcAft>
+              <a:buClrTx/>
+              <a:buSzTx/>
+              <a:buFontTx/>
+              <a:buNone/>
+              <a:tabLst/>
+            </a:pPr>
+            <a:endParaRPr kumimoji="0" lang="en-US" altLang="en-US" sz="1800" b="0" i="0" u="none" strike="noStrike" cap="none" normalizeH="0" baseline="0" smtClean="0">
+              <a:ln>
+                <a:noFill/>
+              </a:ln>
+              <a:solidFill>
+                <a:schemeClr val="tx1"/>
+              </a:solidFill>
+              <a:effectLst/>
+              <a:latin typeface="Arial" pitchFamily="34" charset="0"/>
+              <a:cs typeface="Arial" pitchFamily="34" charset="0"/>
+            </a:endParaRPr>
+          </a:p>
+        </p:txBody>
+      </p:sp>
+      <p:sp>
+        <p:nvSpPr>
+          <p:cNvPr id="2" name="Rectangle 2"/>
+          <p:cNvSpPr>
+            <a:spLocks noChangeArrowheads="1"/>
+          </p:cNvSpPr>
+          <p:nvPr/>
+        </p:nvSpPr>
+        <p:spPr bwMode="auto">
+          <a:xfrm>
+            <a:off x="958467" y="1090670"/>
+            <a:ext cx="12192000" cy="457200"/>
+          </a:xfrm>
+          <a:prstGeom prst="rect">
+            <a:avLst/>
+          </a:prstGeom>
+          <a:noFill/>
+          <a:ln>
+            <a:noFill/>
+          </a:ln>
+          <a:effectLst/>
+          <a:extLst>
+            <a:ext uri="{909E8E84-426E-40DD-AFC4-6F175D3DCCD1}">
+              <a14:hiddenFill xmlns:a14="http://schemas.microsoft.com/office/drawing/2010/main">
+                <a:solidFill>
+                  <a:schemeClr val="accent1"/>
+                </a:solidFill>
+              </a14:hiddenFill>
+            </a:ext>
+            <a:ext uri="{91240B29-F687-4F45-9708-019B960494DF}">
+              <a14:hiddenLine xmlns:a14="http://schemas.microsoft.com/office/drawing/2010/main" w="9525">
+                <a:solidFill>
+                  <a:schemeClr val="tx1"/>
+                </a:solidFill>
+                <a:miter lim="800000"/>
+                <a:headEnd/>
+                <a:tailEnd/>
+              </a14:hiddenLine>
+            </a:ext>
+            <a:ext uri="{AF507438-7753-43E0-B8FC-AC1667EBCBE1}">
+              <a14:hiddenEffects xmlns:a14="http://schemas.microsoft.com/office/drawing/2010/main">
+                <a:effectLst>
+                  <a:outerShdw dist="35921" dir="2700000" algn="ctr" rotWithShape="0">
+                    <a:schemeClr val="bg2"/>
+                  </a:outerShdw>
+                </a:effectLst>
+              </a14:hiddenEffects>
+            </a:ext>
+          </a:extLst>
+        </p:spPr>
+        <p:txBody>
+          <a:bodyPr vert="horz" wrap="none" lIns="91440" tIns="45720" rIns="91440" bIns="45720" numCol="1" anchor="ctr" anchorCtr="0" compatLnSpc="1">
+            <a:prstTxWarp prst="textNoShape">
+              <a:avLst/>
+            </a:prstTxWarp>
+            <a:spAutoFit/>
+          </a:bodyPr>
+          <a:lstStyle/>
+          <a:p>
+            <a:pPr marL="0" marR="0" lvl="0" indent="0" algn="l" defTabSz="914400" rtl="0" eaLnBrk="1" fontAlgn="base" latinLnBrk="0" hangingPunct="1">
+              <a:lnSpc>
+                <a:spcPct val="100000"/>
+              </a:lnSpc>
+              <a:spcBef>
+                <a:spcPct val="0"/>
+              </a:spcBef>
+              <a:spcAft>
+                <a:spcPct val="0"/>
+              </a:spcAft>
+              <a:buClrTx/>
+              <a:buSzTx/>
+              <a:buFontTx/>
+              <a:buNone/>
+              <a:tabLst/>
+            </a:pPr>
+            <a:r>
+              <a:rPr kumimoji="0" lang="en-US" altLang="en-US" sz="1400" b="0" i="0" u="none" strike="noStrike" cap="none" normalizeH="0" baseline="0" dirty="0" smtClean="0">
+                <a:ln>
+                  <a:noFill/>
+                </a:ln>
+                <a:solidFill>
+                  <a:schemeClr val="tx1"/>
+                </a:solidFill>
+                <a:effectLst/>
+                <a:latin typeface="Times New Roman" pitchFamily="18" charset="0"/>
+                <a:ea typeface="Calibri" pitchFamily="34" charset="0"/>
+                <a:cs typeface="Times New Roman" pitchFamily="18" charset="0"/>
+              </a:rPr>
+              <a:t>Cluster 2: District with high number of Spas</a:t>
+            </a:r>
+            <a:endParaRPr kumimoji="0" lang="en-US" altLang="en-US" sz="1200" b="0" i="0" u="none" strike="noStrike" cap="none" normalizeH="0" baseline="0" dirty="0" smtClean="0">
+              <a:ln>
+                <a:noFill/>
+              </a:ln>
+              <a:solidFill>
+                <a:schemeClr val="tx1"/>
+              </a:solidFill>
+              <a:effectLst/>
+              <a:latin typeface="Arial" pitchFamily="34" charset="0"/>
+              <a:cs typeface="Arial" pitchFamily="34" charset="0"/>
+            </a:endParaRPr>
+          </a:p>
+          <a:p>
+            <a:pPr marL="0" marR="0" lvl="0" indent="0" algn="l" defTabSz="914400" rtl="0" eaLnBrk="0" fontAlgn="base" latinLnBrk="0" hangingPunct="0">
+              <a:lnSpc>
+                <a:spcPct val="100000"/>
+              </a:lnSpc>
+              <a:spcBef>
+                <a:spcPct val="0"/>
+              </a:spcBef>
+              <a:spcAft>
+                <a:spcPct val="0"/>
+              </a:spcAft>
+              <a:buClrTx/>
+              <a:buSzTx/>
+              <a:buFontTx/>
+              <a:buNone/>
+              <a:tabLst/>
+            </a:pPr>
+            <a:endParaRPr kumimoji="0" lang="en-US" altLang="en-US" sz="1800" b="0" i="0" u="none" strike="noStrike" cap="none" normalizeH="0" baseline="0" dirty="0" smtClean="0">
+              <a:ln>
+                <a:noFill/>
+              </a:ln>
+              <a:solidFill>
+                <a:schemeClr val="tx1"/>
+              </a:solidFill>
+              <a:effectLst/>
+              <a:latin typeface="Arial" pitchFamily="34" charset="0"/>
+              <a:cs typeface="Arial" pitchFamily="34" charset="0"/>
+            </a:endParaRPr>
+          </a:p>
+        </p:txBody>
+      </p:sp>
+      <p:pic>
+        <p:nvPicPr>
+          <p:cNvPr id="5121" name="Picture 9"/>
+          <p:cNvPicPr>
+            <a:picLocks noChangeAspect="1" noChangeArrowheads="1"/>
+          </p:cNvPicPr>
+          <p:nvPr/>
+        </p:nvPicPr>
+        <p:blipFill>
+          <a:blip r:embed="rId2">
+            <a:extLst>
+              <a:ext uri="{28A0092B-C50C-407E-A947-70E740481C1C}">
+                <a14:useLocalDpi xmlns:a14="http://schemas.microsoft.com/office/drawing/2010/main" val="0"/>
+              </a:ext>
+            </a:extLst>
+          </a:blip>
+          <a:srcRect/>
+          <a:stretch>
+            <a:fillRect/>
+          </a:stretch>
+        </p:blipFill>
+        <p:spPr bwMode="auto">
+          <a:xfrm>
+            <a:off x="1757305" y="1547870"/>
+            <a:ext cx="6670598" cy="3694015"/>
+          </a:xfrm>
+          <a:prstGeom prst="rect">
+            <a:avLst/>
+          </a:prstGeom>
+          <a:noFill/>
+          <a:extLst>
+            <a:ext uri="{909E8E84-426E-40DD-AFC4-6F175D3DCCD1}">
+              <a14:hiddenFill xmlns:a14="http://schemas.microsoft.com/office/drawing/2010/main">
+                <a:solidFill>
+                  <a:srgbClr val="FFFFFF"/>
+                </a:solidFill>
+              </a14:hiddenFill>
+            </a:ext>
+          </a:extLst>
+        </p:spPr>
+      </p:pic>
+      <p:sp>
+        <p:nvSpPr>
+          <p:cNvPr id="5" name="Rectangle 3"/>
+          <p:cNvSpPr>
+            <a:spLocks noChangeArrowheads="1"/>
+          </p:cNvSpPr>
+          <p:nvPr/>
+        </p:nvSpPr>
+        <p:spPr bwMode="auto">
+          <a:xfrm>
+            <a:off x="228600" y="2762250"/>
+            <a:ext cx="12192000" cy="0"/>
+          </a:xfrm>
+          <a:prstGeom prst="rect">
+            <a:avLst/>
+          </a:prstGeom>
+          <a:noFill/>
+          <a:ln>
+            <a:noFill/>
+          </a:ln>
+          <a:effectLst/>
+          <a:extLst>
+            <a:ext uri="{909E8E84-426E-40DD-AFC4-6F175D3DCCD1}">
+              <a14:hiddenFill xmlns:a14="http://schemas.microsoft.com/office/drawing/2010/main">
+                <a:solidFill>
+                  <a:schemeClr val="accent1"/>
+                </a:solidFill>
+              </a14:hiddenFill>
+            </a:ext>
+            <a:ext uri="{91240B29-F687-4F45-9708-019B960494DF}">
+              <a14:hiddenLine xmlns:a14="http://schemas.microsoft.com/office/drawing/2010/main" w="9525">
+                <a:solidFill>
+                  <a:schemeClr val="tx1"/>
+                </a:solidFill>
+                <a:miter lim="800000"/>
+                <a:headEnd/>
+                <a:tailEnd/>
+              </a14:hiddenLine>
+            </a:ext>
+            <a:ext uri="{AF507438-7753-43E0-B8FC-AC1667EBCBE1}">
+              <a14:hiddenEffects xmlns:a14="http://schemas.microsoft.com/office/drawing/2010/main">
+                <a:effectLst>
+                  <a:outerShdw dist="35921" dir="2700000" algn="ctr" rotWithShape="0">
+                    <a:schemeClr val="bg2"/>
+                  </a:outerShdw>
+                </a:effectLst>
+              </a14:hiddenEffects>
+            </a:ext>
+          </a:extLst>
+        </p:spPr>
+        <p:txBody>
+          <a:bodyPr vert="horz" wrap="none" lIns="91440" tIns="45720" rIns="91440" bIns="45720" numCol="1" anchor="ctr" anchorCtr="0" compatLnSpc="1">
+            <a:prstTxWarp prst="textNoShape">
+              <a:avLst/>
+            </a:prstTxWarp>
+            <a:spAutoFit/>
+          </a:bodyPr>
+          <a:lstStyle/>
+          <a:p>
+            <a:pPr marL="0" marR="0" lvl="0" indent="0" algn="l" defTabSz="914400" rtl="0" eaLnBrk="1" fontAlgn="base" latinLnBrk="0" hangingPunct="1">
+              <a:lnSpc>
+                <a:spcPct val="100000"/>
+              </a:lnSpc>
+              <a:spcBef>
+                <a:spcPct val="0"/>
+              </a:spcBef>
+              <a:spcAft>
+                <a:spcPct val="0"/>
+              </a:spcAft>
+              <a:buClrTx/>
+              <a:buSzTx/>
+              <a:buFontTx/>
+              <a:buNone/>
+              <a:tabLst/>
+            </a:pPr>
+            <a:endParaRPr kumimoji="0" lang="en-US" altLang="en-US" sz="1800" b="0" i="0" u="none" strike="noStrike" cap="none" normalizeH="0" baseline="0" smtClean="0">
+              <a:ln>
+                <a:noFill/>
+              </a:ln>
+              <a:solidFill>
+                <a:schemeClr val="tx1"/>
+              </a:solidFill>
+              <a:effectLst/>
+              <a:latin typeface="Arial" pitchFamily="34" charset="0"/>
+              <a:cs typeface="Arial" pitchFamily="34" charset="0"/>
+            </a:endParaRPr>
+          </a:p>
+        </p:txBody>
+      </p:sp>
+    </p:spTree>
+    <p:extLst>
+      <p:ext uri="{BB962C8B-B14F-4D97-AF65-F5344CB8AC3E}">
+        <p14:creationId xmlns:p14="http://schemas.microsoft.com/office/powerpoint/2010/main" val="3488381026"/>
+      </p:ext>
+    </p:extLst>
+  </p:cSld>
+  <p:clrMapOvr>
+    <a:masterClrMapping/>
+  </p:clrMapOvr>
+</p:sld>
+</file>
+
+<file path=ppt/slides/slide9.xml><?xml version="1.0" encoding="utf-8"?>
+<p:sld xmlns:a="http://schemas.openxmlformats.org/drawingml/2006/main" xmlns:r="http://schemas.openxmlformats.org/officeDocument/2006/relationships" xmlns:p="http://schemas.openxmlformats.org/presentationml/2006/main">
+  <p:cSld>
+    <p:spTree>
+      <p:nvGrpSpPr>
+        <p:cNvPr id="1" name=""/>
+        <p:cNvGrpSpPr/>
+        <p:nvPr/>
+      </p:nvGrpSpPr>
+      <p:grpSpPr>
+        <a:xfrm>
+          <a:off x="0" y="0"/>
+          <a:ext cx="0" cy="0"/>
+          <a:chOff x="0" y="0"/>
+          <a:chExt cx="0" cy="0"/>
+        </a:xfrm>
+      </p:grpSpPr>
+      <p:sp>
+        <p:nvSpPr>
+          <p:cNvPr id="2" name="Rectangle 1">
+            <a:extLst>
+              <a:ext uri="{FF2B5EF4-FFF2-40B4-BE49-F238E27FC236}">
+                <a16:creationId xmlns:a16="http://schemas.microsoft.com/office/drawing/2014/main" xmlns="" id="{45BF668B-514A-A548-B683-05190E09963B}"/>
               </a:ext>
             </a:extLst>
           </p:cNvPr>
@@ -4787,8 +5818,8 @@
         </p:nvSpPr>
         <p:spPr>
           <a:xfrm>
-            <a:off x="932390" y="0"/>
-            <a:ext cx="3316935" cy="923330"/>
+            <a:off x="258751" y="254583"/>
+            <a:ext cx="3193503" cy="923330"/>
           </a:xfrm>
           <a:prstGeom prst="rect">
             <a:avLst/>
@@ -4816,7 +5847,7 @@
                   </a:outerShdw>
                 </a:effectLst>
               </a:rPr>
-              <a:t>Conclusion</a:t>
+              <a:t>Discussion</a:t>
             </a:r>
             <a:endParaRPr lang="en-US" sz="5400" b="1" cap="none" spc="0" dirty="0">
               <a:ln w="0"/>
@@ -4836,14 +5867,14 @@
       </p:sp>
       <p:sp>
         <p:nvSpPr>
-          <p:cNvPr id="2" name="Rectangle 1"/>
+          <p:cNvPr id="6" name="Rectangle 5"/>
           <p:cNvSpPr/>
           <p:nvPr/>
         </p:nvSpPr>
         <p:spPr>
           <a:xfrm>
-            <a:off x="1000007" y="1128107"/>
-            <a:ext cx="10597261" cy="3561488"/>
+            <a:off x="1498293" y="1630496"/>
+            <a:ext cx="8978747" cy="3970318"/>
           </a:xfrm>
           <a:prstGeom prst="rect">
             <a:avLst/>
@@ -4855,149 +5886,115 @@
           </a:bodyPr>
           <a:lstStyle/>
           <a:p>
-            <a:pPr marL="514350" marR="0" indent="-285750" algn="just">
+            <a:pPr marL="285750" indent="-285750">
               <a:lnSpc>
-                <a:spcPct val="107000"/>
+                <a:spcPct val="150000"/>
               </a:lnSpc>
-              <a:spcBef>
-                <a:spcPts val="0"/>
-              </a:spcBef>
-              <a:spcAft>
-                <a:spcPts val="800"/>
-              </a:spcAft>
               <a:buFont typeface="Arial" panose="020B0604020202020204" pitchFamily="34" charset="0"/>
               <a:buChar char="•"/>
             </a:pPr>
             <a:r>
-              <a:rPr lang="en-US" sz="2400" dirty="0" smtClean="0">
+              <a:rPr lang="en-US" sz="2400" dirty="0">
                 <a:latin typeface="Times New Roman" panose="02020603050405020304" pitchFamily="18" charset="0"/>
-                <a:ea typeface="Tahoma" panose="020B0604030504040204" pitchFamily="34" charset="0"/>
                 <a:cs typeface="Times New Roman" panose="02020603050405020304" pitchFamily="18" charset="0"/>
               </a:rPr>
-              <a:t>Only 1 factor as frequency of occurrence of coffee houses is used to find out the answer for the question from business. </a:t>
-            </a:r>
-          </a:p>
-          <a:p>
-            <a:pPr marL="514350" marR="0" indent="-285750" algn="just">
+              <a:t>As we can see from the picture in Results section, most of the Spas are in the district that located in center of Ha </a:t>
+            </a:r>
+            <a:r>
+              <a:rPr lang="en-US" sz="2400" dirty="0" err="1">
+                <a:latin typeface="Times New Roman" panose="02020603050405020304" pitchFamily="18" charset="0"/>
+                <a:cs typeface="Times New Roman" panose="02020603050405020304" pitchFamily="18" charset="0"/>
+              </a:rPr>
+              <a:t>noi</a:t>
+            </a:r>
+            <a:r>
+              <a:rPr lang="en-US" sz="2400" dirty="0">
+                <a:latin typeface="Times New Roman" panose="02020603050405020304" pitchFamily="18" charset="0"/>
+                <a:cs typeface="Times New Roman" panose="02020603050405020304" pitchFamily="18" charset="0"/>
+              </a:rPr>
+              <a:t>. </a:t>
+            </a:r>
+          </a:p>
+          <a:p>
+            <a:pPr marL="285750" indent="-285750">
               <a:lnSpc>
-                <a:spcPct val="107000"/>
+                <a:spcPct val="150000"/>
               </a:lnSpc>
-              <a:spcBef>
-                <a:spcPts val="0"/>
-              </a:spcBef>
-              <a:spcAft>
-                <a:spcPts val="800"/>
-              </a:spcAft>
               <a:buFont typeface="Arial" panose="020B0604020202020204" pitchFamily="34" charset="0"/>
               <a:buChar char="•"/>
             </a:pPr>
             <a:r>
+              <a:rPr lang="en-US" sz="2400" dirty="0">
+                <a:latin typeface="Times New Roman" panose="02020603050405020304" pitchFamily="18" charset="0"/>
+                <a:cs typeface="Times New Roman" panose="02020603050405020304" pitchFamily="18" charset="0"/>
+              </a:rPr>
+              <a:t>So If you want to develop new Spa, I recommend you </a:t>
+            </a:r>
+            <a:r>
               <a:rPr lang="en-US" sz="2400" dirty="0" smtClean="0">
                 <a:latin typeface="Times New Roman" panose="02020603050405020304" pitchFamily="18" charset="0"/>
-                <a:ea typeface="Tahoma" panose="020B0604030504040204" pitchFamily="34" charset="0"/>
                 <a:cs typeface="Times New Roman" panose="02020603050405020304" pitchFamily="18" charset="0"/>
               </a:rPr>
-              <a:t>There are other factors such as population, income, the price of property, etc... that could influence the decision for investor to invest in coffee house.</a:t>
-            </a:r>
-          </a:p>
-          <a:p>
-            <a:pPr marL="514350" marR="0" indent="-285750" algn="just">
+              <a:t>do not </a:t>
+            </a:r>
+            <a:r>
+              <a:rPr lang="en-US" sz="2400" dirty="0">
+                <a:latin typeface="Times New Roman" panose="02020603050405020304" pitchFamily="18" charset="0"/>
+                <a:cs typeface="Times New Roman" panose="02020603050405020304" pitchFamily="18" charset="0"/>
+              </a:rPr>
+              <a:t>open in Center of Ha </a:t>
+            </a:r>
+            <a:r>
+              <a:rPr lang="en-US" sz="2400" dirty="0" err="1">
+                <a:latin typeface="Times New Roman" panose="02020603050405020304" pitchFamily="18" charset="0"/>
+                <a:cs typeface="Times New Roman" panose="02020603050405020304" pitchFamily="18" charset="0"/>
+              </a:rPr>
+              <a:t>noi</a:t>
+            </a:r>
+            <a:r>
+              <a:rPr lang="en-US" sz="2400" dirty="0">
+                <a:latin typeface="Times New Roman" panose="02020603050405020304" pitchFamily="18" charset="0"/>
+                <a:cs typeface="Times New Roman" panose="02020603050405020304" pitchFamily="18" charset="0"/>
+              </a:rPr>
+              <a:t> (cluster 2) already high concentration of Spa and intense competitions.</a:t>
+            </a:r>
+          </a:p>
+          <a:p>
+            <a:pPr marL="285750" indent="-285750">
               <a:lnSpc>
-                <a:spcPct val="107000"/>
+                <a:spcPct val="150000"/>
               </a:lnSpc>
-              <a:spcBef>
-                <a:spcPts val="0"/>
-              </a:spcBef>
-              <a:spcAft>
-                <a:spcPts val="800"/>
-              </a:spcAft>
               <a:buFont typeface="Arial" panose="020B0604020202020204" pitchFamily="34" charset="0"/>
               <a:buChar char="•"/>
             </a:pPr>
             <a:r>
+              <a:rPr lang="en-US" sz="2400" dirty="0">
+                <a:latin typeface="Times New Roman" panose="02020603050405020304" pitchFamily="18" charset="0"/>
+                <a:cs typeface="Times New Roman" panose="02020603050405020304" pitchFamily="18" charset="0"/>
+              </a:rPr>
+              <a:t>Open new Spa in neighborhoods in Cluster 1:  No existence of Spa, so there </a:t>
+            </a:r>
+            <a:r>
               <a:rPr lang="en-US" sz="2400" dirty="0" smtClean="0">
                 <a:latin typeface="Times New Roman" panose="02020603050405020304" pitchFamily="18" charset="0"/>
-                <a:ea typeface="Tahoma" panose="020B0604030504040204" pitchFamily="34" charset="0"/>
                 <a:cs typeface="Times New Roman" panose="02020603050405020304" pitchFamily="18" charset="0"/>
               </a:rPr>
-              <a:t>Through this project I show that with data science methodology, </a:t>
-            </a:r>
-            <a:r>
-              <a:rPr lang="en-US" sz="2400" dirty="0" err="1" smtClean="0">
+              <a:t>isn’t </a:t>
+            </a:r>
+            <a:r>
+              <a:rPr lang="en-US" sz="2400" dirty="0">
                 <a:latin typeface="Times New Roman" panose="02020603050405020304" pitchFamily="18" charset="0"/>
-                <a:ea typeface="Tahoma" panose="020B0604030504040204" pitchFamily="34" charset="0"/>
                 <a:cs typeface="Times New Roman" panose="02020603050405020304" pitchFamily="18" charset="0"/>
               </a:rPr>
-              <a:t>toolboxs</a:t>
-            </a:r>
-            <a:r>
-              <a:rPr lang="en-US" sz="2400" dirty="0">
-                <a:latin typeface="Times New Roman" panose="02020603050405020304" pitchFamily="18" charset="0"/>
-                <a:ea typeface="Tahoma" panose="020B0604030504040204" pitchFamily="34" charset="0"/>
-                <a:cs typeface="Times New Roman" panose="02020603050405020304" pitchFamily="18" charset="0"/>
-              </a:rPr>
-              <a:t> </a:t>
-            </a:r>
-            <a:r>
-              <a:rPr lang="en-US" sz="2400" dirty="0" smtClean="0">
-                <a:latin typeface="Times New Roman" panose="02020603050405020304" pitchFamily="18" charset="0"/>
-                <a:ea typeface="Tahoma" panose="020B0604030504040204" pitchFamily="34" charset="0"/>
-                <a:cs typeface="Times New Roman" panose="02020603050405020304" pitchFamily="18" charset="0"/>
-              </a:rPr>
-              <a:t>we can use to solve real business problems. </a:t>
-            </a:r>
-          </a:p>
-          <a:p>
-            <a:pPr marL="514350" marR="0" indent="-285750" algn="just">
-              <a:lnSpc>
-                <a:spcPct val="107000"/>
-              </a:lnSpc>
-              <a:spcBef>
-                <a:spcPts val="0"/>
-              </a:spcBef>
-              <a:spcAft>
-                <a:spcPts val="800"/>
-              </a:spcAft>
-              <a:buFont typeface="Arial" panose="020B0604020202020204" pitchFamily="34" charset="0"/>
-              <a:buChar char="•"/>
-            </a:pPr>
-            <a:r>
-              <a:rPr lang="en-US" sz="2400" dirty="0" smtClean="0">
-                <a:latin typeface="Times New Roman" panose="02020603050405020304" pitchFamily="18" charset="0"/>
-                <a:ea typeface="Tahoma" panose="020B0604030504040204" pitchFamily="34" charset="0"/>
-                <a:cs typeface="Times New Roman" panose="02020603050405020304" pitchFamily="18" charset="0"/>
-              </a:rPr>
-              <a:t>We </a:t>
-            </a:r>
-            <a:r>
-              <a:rPr lang="en-US" sz="2400" smtClean="0">
-                <a:latin typeface="Times New Roman" panose="02020603050405020304" pitchFamily="18" charset="0"/>
-                <a:ea typeface="Tahoma" panose="020B0604030504040204" pitchFamily="34" charset="0"/>
-                <a:cs typeface="Times New Roman" panose="02020603050405020304" pitchFamily="18" charset="0"/>
-              </a:rPr>
-              <a:t>need to invest </a:t>
-            </a:r>
-            <a:r>
-              <a:rPr lang="en-US" sz="2400" dirty="0" smtClean="0">
-                <a:latin typeface="Times New Roman" panose="02020603050405020304" pitchFamily="18" charset="0"/>
-                <a:ea typeface="Tahoma" panose="020B0604030504040204" pitchFamily="34" charset="0"/>
-                <a:cs typeface="Times New Roman" panose="02020603050405020304" pitchFamily="18" charset="0"/>
-              </a:rPr>
-              <a:t>more money to get data and register the paid account in Foursquare to get more information.</a:t>
-            </a:r>
-            <a:endParaRPr lang="en-US" sz="2400" dirty="0">
-              <a:effectLst/>
-              <a:latin typeface="Times New Roman" panose="02020603050405020304" pitchFamily="18" charset="0"/>
-              <a:ea typeface="Tahoma" panose="020B0604030504040204" pitchFamily="34" charset="0"/>
-              <a:cs typeface="Times New Roman" panose="02020603050405020304" pitchFamily="18" charset="0"/>
-            </a:endParaRPr>
+              <a:t>any competition.</a:t>
+            </a:r>
           </a:p>
         </p:txBody>
       </p:sp>
     </p:spTree>
     <p:extLst>
       <p:ext uri="{BB962C8B-B14F-4D97-AF65-F5344CB8AC3E}">
-        <p14:creationId xmlns:p14="http://schemas.microsoft.com/office/powerpoint/2010/main" val="1748249899"/>
+        <p14:creationId xmlns:p14="http://schemas.microsoft.com/office/powerpoint/2010/main" val="2220399800"/>
       </p:ext>
     </p:extLst>
   </p:cSld>
@@ -5296,7 +6293,7 @@
   <a:extraClrSchemeLst/>
   <a:extLst>
     <a:ext uri="{05A4C25C-085E-4340-85A3-A5531E510DB2}">
-      <thm15:themeFamily xmlns:thm15="http://schemas.microsoft.com/office/thememl/2012/main" name="Office Theme" id="{62F939B6-93AF-4DB8-9C6B-D6C7DFDC589F}" vid="{4A3C46E8-61CC-4603-A589-7422A47A8E4A}"/>
+      <thm15:themeFamily xmlns:thm15="http://schemas.microsoft.com/office/thememl/2012/main" xmlns="" name="Office Theme" id="{62F939B6-93AF-4DB8-9C6B-D6C7DFDC589F}" vid="{4A3C46E8-61CC-4603-A589-7422A47A8E4A}"/>
     </a:ext>
   </a:extLst>
 </a:theme>
